--- a/pdf/搭建网页.pptx
+++ b/pdf/搭建网页.pptx
@@ -5,7 +5,7 @@
     <p:sldMasterId id="2147483648" r:id="rId1"/>
   </p:sldMasterIdLst>
   <p:notesMasterIdLst>
-    <p:notesMasterId r:id="rId8"/>
+    <p:notesMasterId r:id="rId10"/>
   </p:notesMasterIdLst>
   <p:sldIdLst>
     <p:sldId id="263" r:id="rId2"/>
@@ -13,7 +13,9 @@
     <p:sldId id="268" r:id="rId4"/>
     <p:sldId id="270" r:id="rId5"/>
     <p:sldId id="271" r:id="rId6"/>
-    <p:sldId id="267" r:id="rId7"/>
+    <p:sldId id="272" r:id="rId7"/>
+    <p:sldId id="273" r:id="rId8"/>
+    <p:sldId id="267" r:id="rId9"/>
   </p:sldIdLst>
   <p:sldSz cx="12192000" cy="6858000"/>
   <p:notesSz cx="6858000" cy="9144000"/>
@@ -5723,51 +5725,645 @@
           </a:p>
         </p:txBody>
       </p:sp>
-      <p:pic>
-        <p:nvPicPr>
-          <p:cNvPr id="1026" name="Picture 2" descr="github 的图像结果">
+      <p:sp>
+        <p:nvSpPr>
+          <p:cNvPr id="3" name="Rectangle 1">
             <a:extLst>
               <a:ext uri="{FF2B5EF4-FFF2-40B4-BE49-F238E27FC236}">
-                <a16:creationId xmlns:a16="http://schemas.microsoft.com/office/drawing/2014/main" id="{EE277B74-EDBA-982E-CC8E-0FDF43493891}"/>
+                <a16:creationId xmlns:a16="http://schemas.microsoft.com/office/drawing/2014/main" id="{D0A8541B-0BEF-E1A0-2B08-ED915BC5126C}"/>
               </a:ext>
             </a:extLst>
           </p:cNvPr>
-          <p:cNvPicPr>
-            <a:picLocks noChangeAspect="1" noChangeArrowheads="1"/>
-          </p:cNvPicPr>
+          <p:cNvSpPr>
+            <a:spLocks noChangeArrowheads="1"/>
+          </p:cNvSpPr>
           <p:nvPr/>
-        </p:nvPicPr>
-        <p:blipFill rotWithShape="1">
-          <a:blip r:embed="rId2">
-            <a:extLst>
-              <a:ext uri="{28A0092B-C50C-407E-A947-70E740481C1C}">
-                <a14:useLocalDpi xmlns:a14="http://schemas.microsoft.com/office/drawing/2010/main" val="0"/>
-              </a:ext>
-            </a:extLst>
-          </a:blip>
-          <a:srcRect l="17686" r="11804"/>
-          <a:stretch/>
-        </p:blipFill>
+        </p:nvSpPr>
         <p:spPr bwMode="auto">
           <a:xfrm>
-            <a:off x="2850348" y="196795"/>
-            <a:ext cx="1201700" cy="1016467"/>
+            <a:off x="803564" y="1732357"/>
+            <a:ext cx="11388436" cy="1292662"/>
           </a:xfrm>
           <a:prstGeom prst="rect">
             <a:avLst/>
           </a:prstGeom>
           <a:noFill/>
+          <a:ln>
+            <a:noFill/>
+          </a:ln>
+          <a:effectLst/>
           <a:extLst>
             <a:ext uri="{909E8E84-426E-40DD-AFC4-6F175D3DCCD1}">
               <a14:hiddenFill xmlns:a14="http://schemas.microsoft.com/office/drawing/2010/main">
                 <a:solidFill>
-                  <a:srgbClr val="FFFFFF"/>
+                  <a:schemeClr val="accent1"/>
                 </a:solidFill>
               </a14:hiddenFill>
+            </a:ext>
+            <a:ext uri="{91240B29-F687-4F45-9708-019B960494DF}">
+              <a14:hiddenLine xmlns:a14="http://schemas.microsoft.com/office/drawing/2010/main" w="9525">
+                <a:solidFill>
+                  <a:schemeClr val="tx1"/>
+                </a:solidFill>
+                <a:miter lim="800000"/>
+                <a:headEnd/>
+                <a:tailEnd/>
+              </a14:hiddenLine>
+            </a:ext>
+            <a:ext uri="{AF507438-7753-43E0-B8FC-AC1667EBCBE1}">
+              <a14:hiddenEffects xmlns:a14="http://schemas.microsoft.com/office/drawing/2010/main">
+                <a:effectLst>
+                  <a:outerShdw dist="35921" dir="2700000" algn="ctr" rotWithShape="0">
+                    <a:schemeClr val="bg2"/>
+                  </a:outerShdw>
+                </a:effectLst>
+              </a14:hiddenEffects>
             </a:ext>
           </a:extLst>
         </p:spPr>
+        <p:txBody>
+          <a:bodyPr vert="horz" wrap="square" lIns="91440" tIns="45720" rIns="91440" bIns="45720" numCol="1" anchor="ctr" anchorCtr="0" compatLnSpc="1">
+            <a:prstTxWarp prst="textNoShape">
+              <a:avLst/>
+            </a:prstTxWarp>
+            <a:spAutoFit/>
+          </a:bodyPr>
+          <a:lstStyle/>
+          <a:p>
+            <a:pPr marL="0" marR="0" lvl="0" indent="0" algn="l" defTabSz="914400" rtl="0" eaLnBrk="0" fontAlgn="base" latinLnBrk="0" hangingPunct="0">
+              <a:lnSpc>
+                <a:spcPct val="100000"/>
+              </a:lnSpc>
+              <a:spcBef>
+                <a:spcPct val="0"/>
+              </a:spcBef>
+              <a:spcAft>
+                <a:spcPct val="0"/>
+              </a:spcAft>
+              <a:buClrTx/>
+              <a:buSzTx/>
+              <a:tabLst/>
+            </a:pPr>
+            <a:r>
+              <a:rPr kumimoji="0" lang="en-US" altLang="zh-SG" sz="2600" b="1" i="0" u="none" strike="noStrike" cap="none" normalizeH="0" baseline="0" dirty="0">
+                <a:ln>
+                  <a:noFill/>
+                </a:ln>
+                <a:solidFill>
+                  <a:schemeClr val="tx1"/>
+                </a:solidFill>
+                <a:effectLst/>
+                <a:latin typeface="楷体" panose="02010609060101010101" pitchFamily="49" charset="-122"/>
+                <a:ea typeface="楷体" panose="02010609060101010101" pitchFamily="49" charset="-122"/>
+              </a:rPr>
+              <a:t>5. </a:t>
+            </a:r>
+            <a:r>
+              <a:rPr kumimoji="0" lang="zh-SG" altLang="zh-SG" sz="2600" b="1" i="0" u="none" strike="noStrike" cap="none" normalizeH="0" baseline="0" dirty="0">
+                <a:ln>
+                  <a:noFill/>
+                </a:ln>
+                <a:solidFill>
+                  <a:schemeClr val="tx1"/>
+                </a:solidFill>
+                <a:effectLst/>
+                <a:latin typeface="楷体" panose="02010609060101010101" pitchFamily="49" charset="-122"/>
+                <a:ea typeface="楷体" panose="02010609060101010101" pitchFamily="49" charset="-122"/>
+              </a:rPr>
+              <a:t>上传网站文件</a:t>
+            </a:r>
+            <a:r>
+              <a:rPr kumimoji="0" lang="zh-CN" altLang="en-US" sz="2600" b="1" i="0" u="none" strike="noStrike" cap="none" normalizeH="0" baseline="0" dirty="0">
+                <a:ln>
+                  <a:noFill/>
+                </a:ln>
+                <a:solidFill>
+                  <a:schemeClr val="tx1"/>
+                </a:solidFill>
+                <a:effectLst/>
+                <a:latin typeface="楷体" panose="02010609060101010101" pitchFamily="49" charset="-122"/>
+                <a:ea typeface="楷体" panose="02010609060101010101" pitchFamily="49" charset="-122"/>
+              </a:rPr>
+              <a:t>：</a:t>
+            </a:r>
+            <a:endParaRPr kumimoji="0" lang="en-US" altLang="zh-CN" sz="2600" b="1" i="0" u="none" strike="noStrike" cap="none" normalizeH="0" baseline="0" dirty="0">
+              <a:ln>
+                <a:noFill/>
+              </a:ln>
+              <a:solidFill>
+                <a:schemeClr val="tx1"/>
+              </a:solidFill>
+              <a:effectLst/>
+              <a:latin typeface="楷体" panose="02010609060101010101" pitchFamily="49" charset="-122"/>
+              <a:ea typeface="楷体" panose="02010609060101010101" pitchFamily="49" charset="-122"/>
+            </a:endParaRPr>
+          </a:p>
+          <a:p>
+            <a:pPr marL="0" marR="0" lvl="0" indent="0" algn="l" defTabSz="914400" rtl="0" eaLnBrk="0" fontAlgn="base" latinLnBrk="0" hangingPunct="0">
+              <a:lnSpc>
+                <a:spcPct val="100000"/>
+              </a:lnSpc>
+              <a:spcBef>
+                <a:spcPct val="0"/>
+              </a:spcBef>
+              <a:spcAft>
+                <a:spcPct val="0"/>
+              </a:spcAft>
+              <a:buClrTx/>
+              <a:buSzTx/>
+              <a:tabLst/>
+            </a:pPr>
+            <a:r>
+              <a:rPr lang="zh-CN" altLang="en-US" sz="2600" dirty="0">
+                <a:latin typeface="楷体" panose="02010609060101010101" pitchFamily="49" charset="-122"/>
+                <a:ea typeface="楷体" panose="02010609060101010101" pitchFamily="49" charset="-122"/>
+              </a:rPr>
+              <a:t>上传到哪？</a:t>
+            </a:r>
+            <a:endParaRPr lang="en-US" altLang="zh-CN" sz="2600" dirty="0">
+              <a:latin typeface="楷体" panose="02010609060101010101" pitchFamily="49" charset="-122"/>
+              <a:ea typeface="楷体" panose="02010609060101010101" pitchFamily="49" charset="-122"/>
+            </a:endParaRPr>
+          </a:p>
+          <a:p>
+            <a:pPr marL="0" marR="0" lvl="0" indent="0" algn="l" defTabSz="914400" rtl="0" eaLnBrk="0" fontAlgn="base" latinLnBrk="0" hangingPunct="0">
+              <a:lnSpc>
+                <a:spcPct val="100000"/>
+              </a:lnSpc>
+              <a:spcBef>
+                <a:spcPct val="0"/>
+              </a:spcBef>
+              <a:spcAft>
+                <a:spcPct val="0"/>
+              </a:spcAft>
+              <a:buClrTx/>
+              <a:buSzTx/>
+              <a:tabLst/>
+            </a:pPr>
+            <a:r>
+              <a:rPr lang="zh-CN" altLang="en-US" sz="2600" dirty="0">
+                <a:latin typeface="楷体" panose="02010609060101010101" pitchFamily="49" charset="-122"/>
+                <a:ea typeface="楷体" panose="02010609060101010101" pitchFamily="49" charset="-122"/>
+              </a:rPr>
+              <a:t>第</a:t>
+            </a:r>
+            <a:r>
+              <a:rPr lang="en-US" altLang="zh-CN" sz="2600" dirty="0">
+                <a:latin typeface="楷体" panose="02010609060101010101" pitchFamily="49" charset="-122"/>
+                <a:ea typeface="楷体" panose="02010609060101010101" pitchFamily="49" charset="-122"/>
+              </a:rPr>
+              <a:t>3</a:t>
+            </a:r>
+            <a:r>
+              <a:rPr lang="zh-CN" altLang="en-US" sz="2600" dirty="0">
+                <a:latin typeface="楷体" panose="02010609060101010101" pitchFamily="49" charset="-122"/>
+                <a:ea typeface="楷体" panose="02010609060101010101" pitchFamily="49" charset="-122"/>
+              </a:rPr>
+              <a:t>页</a:t>
+            </a:r>
+            <a:r>
+              <a:rPr lang="en-US" altLang="zh-CN" sz="2600" dirty="0">
+                <a:latin typeface="楷体" panose="02010609060101010101" pitchFamily="49" charset="-122"/>
+                <a:ea typeface="楷体" panose="02010609060101010101" pitchFamily="49" charset="-122"/>
+              </a:rPr>
+              <a:t>PPT</a:t>
+            </a:r>
+            <a:r>
+              <a:rPr lang="zh-CN" altLang="en-US" sz="2600" dirty="0">
+                <a:latin typeface="楷体" panose="02010609060101010101" pitchFamily="49" charset="-122"/>
+                <a:ea typeface="楷体" panose="02010609060101010101" pitchFamily="49" charset="-122"/>
+              </a:rPr>
+              <a:t>的</a:t>
+            </a:r>
+            <a:r>
+              <a:rPr lang="en-US" altLang="zh-CN" sz="2600" dirty="0">
+                <a:latin typeface="楷体" panose="02010609060101010101" pitchFamily="49" charset="-122"/>
+                <a:ea typeface="楷体" panose="02010609060101010101" pitchFamily="49" charset="-122"/>
+              </a:rPr>
+              <a:t>Local Path</a:t>
+            </a:r>
+            <a:endParaRPr lang="en-US" altLang="zh-SG" sz="2600" dirty="0">
+              <a:latin typeface="楷体" panose="02010609060101010101" pitchFamily="49" charset="-122"/>
+              <a:ea typeface="楷体" panose="02010609060101010101" pitchFamily="49" charset="-122"/>
+            </a:endParaRPr>
+          </a:p>
+        </p:txBody>
+      </p:sp>
+      <p:pic>
+        <p:nvPicPr>
+          <p:cNvPr id="26" name="图片 25">
+            <a:extLst>
+              <a:ext uri="{FF2B5EF4-FFF2-40B4-BE49-F238E27FC236}">
+                <a16:creationId xmlns:a16="http://schemas.microsoft.com/office/drawing/2014/main" id="{C1FB321A-3516-805B-1FB6-DE4D11D1479B}"/>
+              </a:ext>
+            </a:extLst>
+          </p:cNvPr>
+          <p:cNvPicPr>
+            <a:picLocks noChangeAspect="1"/>
+          </p:cNvPicPr>
+          <p:nvPr/>
+        </p:nvPicPr>
+        <p:blipFill>
+          <a:blip r:embed="rId2"/>
+          <a:stretch>
+            <a:fillRect/>
+          </a:stretch>
+        </p:blipFill>
+        <p:spPr>
+          <a:xfrm>
+            <a:off x="2424051" y="101453"/>
+            <a:ext cx="1114581" cy="1438476"/>
+          </a:xfrm>
+          <a:prstGeom prst="rect">
+            <a:avLst/>
+          </a:prstGeom>
+        </p:spPr>
       </p:pic>
+      <p:pic>
+        <p:nvPicPr>
+          <p:cNvPr id="27" name="图片 26">
+            <a:extLst>
+              <a:ext uri="{FF2B5EF4-FFF2-40B4-BE49-F238E27FC236}">
+                <a16:creationId xmlns:a16="http://schemas.microsoft.com/office/drawing/2014/main" id="{096B0D2A-0ABE-41A6-6FC8-0A1390E45386}"/>
+              </a:ext>
+            </a:extLst>
+          </p:cNvPr>
+          <p:cNvPicPr>
+            <a:picLocks noChangeAspect="1"/>
+          </p:cNvPicPr>
+          <p:nvPr/>
+        </p:nvPicPr>
+        <p:blipFill>
+          <a:blip r:embed="rId3"/>
+          <a:stretch>
+            <a:fillRect/>
+          </a:stretch>
+        </p:blipFill>
+        <p:spPr>
+          <a:xfrm>
+            <a:off x="6213973" y="1469123"/>
+            <a:ext cx="5457017" cy="3226092"/>
+          </a:xfrm>
+          <a:prstGeom prst="rect">
+            <a:avLst/>
+          </a:prstGeom>
+          <a:solidFill>
+            <a:srgbClr val="FFFFFF">
+              <a:shade val="85000"/>
+            </a:srgbClr>
+          </a:solidFill>
+          <a:ln w="88900" cap="sq">
+            <a:solidFill>
+              <a:srgbClr val="FFFFFF"/>
+            </a:solidFill>
+            <a:miter lim="800000"/>
+          </a:ln>
+          <a:effectLst>
+            <a:outerShdw blurRad="55000" dist="18000" dir="5400000" algn="tl" rotWithShape="0">
+              <a:srgbClr val="000000">
+                <a:alpha val="40000"/>
+              </a:srgbClr>
+            </a:outerShdw>
+          </a:effectLst>
+          <a:scene3d>
+            <a:camera prst="orthographicFront"/>
+            <a:lightRig rig="twoPt" dir="t">
+              <a:rot lat="0" lon="0" rev="7200000"/>
+            </a:lightRig>
+          </a:scene3d>
+          <a:sp3d>
+            <a:bevelT w="25400" h="19050"/>
+            <a:contourClr>
+              <a:srgbClr val="FFFFFF"/>
+            </a:contourClr>
+          </a:sp3d>
+        </p:spPr>
+      </p:pic>
+      <p:sp>
+        <p:nvSpPr>
+          <p:cNvPr id="28" name="矩形 27">
+            <a:extLst>
+              <a:ext uri="{FF2B5EF4-FFF2-40B4-BE49-F238E27FC236}">
+                <a16:creationId xmlns:a16="http://schemas.microsoft.com/office/drawing/2014/main" id="{01241925-9C17-B167-0D68-CD8E2B613086}"/>
+              </a:ext>
+            </a:extLst>
+          </p:cNvPr>
+          <p:cNvSpPr/>
+          <p:nvPr/>
+        </p:nvSpPr>
+        <p:spPr>
+          <a:xfrm>
+            <a:off x="6299638" y="3217447"/>
+            <a:ext cx="5371352" cy="660400"/>
+          </a:xfrm>
+          <a:prstGeom prst="rect">
+            <a:avLst/>
+          </a:prstGeom>
+          <a:noFill/>
+          <a:ln w="57150">
+            <a:solidFill>
+              <a:schemeClr val="accent4">
+                <a:lumMod val="40000"/>
+                <a:lumOff val="60000"/>
+              </a:schemeClr>
+            </a:solidFill>
+          </a:ln>
+        </p:spPr>
+        <p:style>
+          <a:lnRef idx="2">
+            <a:schemeClr val="accent1">
+              <a:shade val="15000"/>
+            </a:schemeClr>
+          </a:lnRef>
+          <a:fillRef idx="1">
+            <a:schemeClr val="accent1"/>
+          </a:fillRef>
+          <a:effectRef idx="0">
+            <a:schemeClr val="accent1"/>
+          </a:effectRef>
+          <a:fontRef idx="minor">
+            <a:schemeClr val="lt1"/>
+          </a:fontRef>
+        </p:style>
+        <p:txBody>
+          <a:bodyPr rtlCol="0" anchor="ctr"/>
+          <a:lstStyle/>
+          <a:p>
+            <a:pPr algn="ctr"/>
+            <a:endParaRPr lang="zh-SG" altLang="en-US"/>
+          </a:p>
+        </p:txBody>
+      </p:sp>
+      <p:pic>
+        <p:nvPicPr>
+          <p:cNvPr id="30" name="图片 29">
+            <a:extLst>
+              <a:ext uri="{FF2B5EF4-FFF2-40B4-BE49-F238E27FC236}">
+                <a16:creationId xmlns:a16="http://schemas.microsoft.com/office/drawing/2014/main" id="{01D344FC-9850-214A-E190-E1A7D6F9CC28}"/>
+              </a:ext>
+            </a:extLst>
+          </p:cNvPr>
+          <p:cNvPicPr>
+            <a:picLocks noChangeAspect="1"/>
+          </p:cNvPicPr>
+          <p:nvPr/>
+        </p:nvPicPr>
+        <p:blipFill>
+          <a:blip r:embed="rId4"/>
+          <a:stretch>
+            <a:fillRect/>
+          </a:stretch>
+        </p:blipFill>
+        <p:spPr>
+          <a:xfrm>
+            <a:off x="800402" y="3139319"/>
+            <a:ext cx="6341229" cy="3427842"/>
+          </a:xfrm>
+          <a:prstGeom prst="rect">
+            <a:avLst/>
+          </a:prstGeom>
+        </p:spPr>
+      </p:pic>
+    </p:spTree>
+    <p:extLst>
+      <p:ext uri="{BB962C8B-B14F-4D97-AF65-F5344CB8AC3E}">
+        <p14:creationId xmlns:p14="http://schemas.microsoft.com/office/powerpoint/2010/main" val="1617452287"/>
+      </p:ext>
+    </p:extLst>
+  </p:cSld>
+  <p:clrMapOvr>
+    <a:masterClrMapping/>
+  </p:clrMapOvr>
+  <p:timing>
+    <p:tnLst>
+      <p:par>
+        <p:cTn id="1" dur="indefinite" restart="never" nodeType="tmRoot">
+          <p:childTnLst>
+            <p:seq concurrent="1" nextAc="seek">
+              <p:cTn id="2" dur="indefinite" nodeType="mainSeq">
+                <p:childTnLst>
+                  <p:par>
+                    <p:cTn id="3" fill="hold">
+                      <p:stCondLst>
+                        <p:cond delay="indefinite"/>
+                      </p:stCondLst>
+                      <p:childTnLst>
+                        <p:par>
+                          <p:cTn id="4" fill="hold">
+                            <p:stCondLst>
+                              <p:cond delay="0"/>
+                            </p:stCondLst>
+                            <p:childTnLst>
+                              <p:par>
+                                <p:cTn id="5" presetID="1" presetClass="entr" presetSubtype="0" fill="hold" nodeType="clickEffect">
+                                  <p:stCondLst>
+                                    <p:cond delay="0"/>
+                                  </p:stCondLst>
+                                  <p:childTnLst>
+                                    <p:set>
+                                      <p:cBhvr>
+                                        <p:cTn id="6" dur="1" fill="hold">
+                                          <p:stCondLst>
+                                            <p:cond delay="0"/>
+                                          </p:stCondLst>
+                                        </p:cTn>
+                                        <p:tgtEl>
+                                          <p:spTgt spid="27"/>
+                                        </p:tgtEl>
+                                        <p:attrNameLst>
+                                          <p:attrName>style.visibility</p:attrName>
+                                        </p:attrNameLst>
+                                      </p:cBhvr>
+                                      <p:to>
+                                        <p:strVal val="visible"/>
+                                      </p:to>
+                                    </p:set>
+                                  </p:childTnLst>
+                                </p:cTn>
+                              </p:par>
+                            </p:childTnLst>
+                          </p:cTn>
+                        </p:par>
+                      </p:childTnLst>
+                    </p:cTn>
+                  </p:par>
+                  <p:par>
+                    <p:cTn id="7" fill="hold">
+                      <p:stCondLst>
+                        <p:cond delay="indefinite"/>
+                      </p:stCondLst>
+                      <p:childTnLst>
+                        <p:par>
+                          <p:cTn id="8" fill="hold">
+                            <p:stCondLst>
+                              <p:cond delay="0"/>
+                            </p:stCondLst>
+                            <p:childTnLst>
+                              <p:par>
+                                <p:cTn id="9" presetID="1" presetClass="entr" presetSubtype="0" fill="hold" grpId="0" nodeType="clickEffect">
+                                  <p:stCondLst>
+                                    <p:cond delay="0"/>
+                                  </p:stCondLst>
+                                  <p:childTnLst>
+                                    <p:set>
+                                      <p:cBhvr>
+                                        <p:cTn id="10" dur="1" fill="hold">
+                                          <p:stCondLst>
+                                            <p:cond delay="0"/>
+                                          </p:stCondLst>
+                                        </p:cTn>
+                                        <p:tgtEl>
+                                          <p:spTgt spid="28"/>
+                                        </p:tgtEl>
+                                        <p:attrNameLst>
+                                          <p:attrName>style.visibility</p:attrName>
+                                        </p:attrNameLst>
+                                      </p:cBhvr>
+                                      <p:to>
+                                        <p:strVal val="visible"/>
+                                      </p:to>
+                                    </p:set>
+                                  </p:childTnLst>
+                                </p:cTn>
+                              </p:par>
+                            </p:childTnLst>
+                          </p:cTn>
+                        </p:par>
+                      </p:childTnLst>
+                    </p:cTn>
+                  </p:par>
+                  <p:par>
+                    <p:cTn id="11" fill="hold">
+                      <p:stCondLst>
+                        <p:cond delay="indefinite"/>
+                      </p:stCondLst>
+                      <p:childTnLst>
+                        <p:par>
+                          <p:cTn id="12" fill="hold">
+                            <p:stCondLst>
+                              <p:cond delay="0"/>
+                            </p:stCondLst>
+                            <p:childTnLst>
+                              <p:par>
+                                <p:cTn id="13" presetID="1" presetClass="entr" presetSubtype="0" fill="hold" nodeType="clickEffect">
+                                  <p:stCondLst>
+                                    <p:cond delay="0"/>
+                                  </p:stCondLst>
+                                  <p:childTnLst>
+                                    <p:set>
+                                      <p:cBhvr>
+                                        <p:cTn id="14" dur="1" fill="hold">
+                                          <p:stCondLst>
+                                            <p:cond delay="0"/>
+                                          </p:stCondLst>
+                                        </p:cTn>
+                                        <p:tgtEl>
+                                          <p:spTgt spid="30"/>
+                                        </p:tgtEl>
+                                        <p:attrNameLst>
+                                          <p:attrName>style.visibility</p:attrName>
+                                        </p:attrNameLst>
+                                      </p:cBhvr>
+                                      <p:to>
+                                        <p:strVal val="visible"/>
+                                      </p:to>
+                                    </p:set>
+                                  </p:childTnLst>
+                                </p:cTn>
+                              </p:par>
+                            </p:childTnLst>
+                          </p:cTn>
+                        </p:par>
+                      </p:childTnLst>
+                    </p:cTn>
+                  </p:par>
+                </p:childTnLst>
+              </p:cTn>
+              <p:prevCondLst>
+                <p:cond evt="onPrev" delay="0">
+                  <p:tgtEl>
+                    <p:sldTgt/>
+                  </p:tgtEl>
+                </p:cond>
+              </p:prevCondLst>
+              <p:nextCondLst>
+                <p:cond evt="onNext" delay="0">
+                  <p:tgtEl>
+                    <p:sldTgt/>
+                  </p:tgtEl>
+                </p:cond>
+              </p:nextCondLst>
+            </p:seq>
+          </p:childTnLst>
+        </p:cTn>
+      </p:par>
+    </p:tnLst>
+    <p:bldLst>
+      <p:bldP spid="28" grpId="0" animBg="1"/>
+    </p:bldLst>
+  </p:timing>
+</p:sld>
+</file>
+
+<file path=ppt/slides/slide6.xml><?xml version="1.0" encoding="utf-8"?>
+<p:sld xmlns:a="http://schemas.openxmlformats.org/drawingml/2006/main" xmlns:r="http://schemas.openxmlformats.org/officeDocument/2006/relationships" xmlns:p="http://schemas.openxmlformats.org/presentationml/2006/main">
+  <p:cSld>
+    <p:spTree>
+      <p:nvGrpSpPr>
+        <p:cNvPr id="1" name=""/>
+        <p:cNvGrpSpPr/>
+        <p:nvPr/>
+      </p:nvGrpSpPr>
+      <p:grpSpPr>
+        <a:xfrm>
+          <a:off x="0" y="0"/>
+          <a:ext cx="0" cy="0"/>
+          <a:chOff x="0" y="0"/>
+          <a:chExt cx="0" cy="0"/>
+        </a:xfrm>
+      </p:grpSpPr>
+      <p:sp>
+        <p:nvSpPr>
+          <p:cNvPr id="2" name="文本框 1">
+            <a:extLst>
+              <a:ext uri="{FF2B5EF4-FFF2-40B4-BE49-F238E27FC236}">
+                <a16:creationId xmlns:a16="http://schemas.microsoft.com/office/drawing/2014/main" id="{9F079C83-5C7A-7FEB-95AB-5BB43CB90696}"/>
+              </a:ext>
+            </a:extLst>
+          </p:cNvPr>
+          <p:cNvSpPr txBox="1"/>
+          <p:nvPr/>
+        </p:nvSpPr>
+        <p:spPr>
+          <a:xfrm>
+            <a:off x="925284" y="413656"/>
+            <a:ext cx="2334986" cy="584775"/>
+          </a:xfrm>
+          <a:prstGeom prst="rect">
+            <a:avLst/>
+          </a:prstGeom>
+          <a:noFill/>
+        </p:spPr>
+        <p:txBody>
+          <a:bodyPr wrap="square" rtlCol="0">
+            <a:spAutoFit/>
+          </a:bodyPr>
+          <a:lstStyle/>
+          <a:p>
+            <a:r>
+              <a:rPr lang="zh-CN" altLang="en-US" sz="3200" dirty="0">
+                <a:latin typeface="华文中宋" panose="02010600040101010101" pitchFamily="2" charset="-122"/>
+                <a:ea typeface="华文中宋" panose="02010600040101010101" pitchFamily="2" charset="-122"/>
+              </a:rPr>
+              <a:t>怎么做</a:t>
+            </a:r>
+            <a:endParaRPr lang="zh-SG" altLang="en-US" sz="3200" dirty="0">
+              <a:latin typeface="华文中宋" panose="02010600040101010101" pitchFamily="2" charset="-122"/>
+              <a:ea typeface="华文中宋" panose="02010600040101010101" pitchFamily="2" charset="-122"/>
+            </a:endParaRPr>
+          </a:p>
+        </p:txBody>
+      </p:sp>
       <p:sp>
         <p:nvSpPr>
           <p:cNvPr id="3" name="Rectangle 1">
@@ -5887,7 +6483,651 @@
                 <a:latin typeface="楷体" panose="02010609060101010101" pitchFamily="49" charset="-122"/>
                 <a:ea typeface="楷体" panose="02010609060101010101" pitchFamily="49" charset="-122"/>
               </a:rPr>
+              <a:t>：</a:t>
+            </a:r>
+            <a:r>
+              <a:rPr lang="zh-CN" altLang="en-US" sz="2600" b="1" dirty="0">
+                <a:latin typeface="楷体" panose="02010609060101010101" pitchFamily="49" charset="-122"/>
+                <a:ea typeface="楷体" panose="02010609060101010101" pitchFamily="49" charset="-122"/>
+              </a:rPr>
+              <a:t>上传什么？</a:t>
+            </a:r>
+            <a:endParaRPr lang="en-US" altLang="zh-SG" sz="2600" dirty="0">
+              <a:latin typeface="楷体" panose="02010609060101010101" pitchFamily="49" charset="-122"/>
+              <a:ea typeface="楷体" panose="02010609060101010101" pitchFamily="49" charset="-122"/>
+            </a:endParaRPr>
+          </a:p>
+        </p:txBody>
+      </p:sp>
+      <p:pic>
+        <p:nvPicPr>
+          <p:cNvPr id="26" name="图片 25">
+            <a:extLst>
+              <a:ext uri="{FF2B5EF4-FFF2-40B4-BE49-F238E27FC236}">
+                <a16:creationId xmlns:a16="http://schemas.microsoft.com/office/drawing/2014/main" id="{C1FB321A-3516-805B-1FB6-DE4D11D1479B}"/>
+              </a:ext>
+            </a:extLst>
+          </p:cNvPr>
+          <p:cNvPicPr>
+            <a:picLocks noChangeAspect="1"/>
+          </p:cNvPicPr>
+          <p:nvPr/>
+        </p:nvPicPr>
+        <p:blipFill>
+          <a:blip r:embed="rId2"/>
+          <a:stretch>
+            <a:fillRect/>
+          </a:stretch>
+        </p:blipFill>
+        <p:spPr>
+          <a:xfrm>
+            <a:off x="2424051" y="101453"/>
+            <a:ext cx="1114581" cy="1438476"/>
+          </a:xfrm>
+          <a:prstGeom prst="rect">
+            <a:avLst/>
+          </a:prstGeom>
+        </p:spPr>
+      </p:pic>
+      <p:sp>
+        <p:nvSpPr>
+          <p:cNvPr id="7" name="文本框 6">
+            <a:extLst>
+              <a:ext uri="{FF2B5EF4-FFF2-40B4-BE49-F238E27FC236}">
+                <a16:creationId xmlns:a16="http://schemas.microsoft.com/office/drawing/2014/main" id="{20DBD32D-1578-6C55-9FC0-C351F279F281}"/>
+              </a:ext>
+            </a:extLst>
+          </p:cNvPr>
+          <p:cNvSpPr txBox="1"/>
+          <p:nvPr/>
+        </p:nvSpPr>
+        <p:spPr>
+          <a:xfrm>
+            <a:off x="1350963" y="2195091"/>
+            <a:ext cx="1684337" cy="1138773"/>
+          </a:xfrm>
+          <a:prstGeom prst="rect">
+            <a:avLst/>
+          </a:prstGeom>
+          <a:noFill/>
+        </p:spPr>
+        <p:txBody>
+          <a:bodyPr wrap="square">
+            <a:spAutoFit/>
+          </a:bodyPr>
+          <a:lstStyle/>
+          <a:p>
+            <a:r>
+              <a:rPr lang="zh-CN" altLang="en-US" sz="2800" b="1" dirty="0">
+                <a:solidFill>
+                  <a:srgbClr val="FF0000"/>
+                </a:solidFill>
+                <a:latin typeface="楷体" panose="02010609060101010101" pitchFamily="49" charset="-122"/>
+                <a:ea typeface="楷体" panose="02010609060101010101" pitchFamily="49" charset="-122"/>
+              </a:rPr>
+              <a:t>网站代码</a:t>
+            </a:r>
+            <a:endParaRPr lang="en-US" altLang="zh-CN" sz="2800" b="1" dirty="0">
+              <a:solidFill>
+                <a:srgbClr val="FF0000"/>
+              </a:solidFill>
+              <a:latin typeface="楷体" panose="02010609060101010101" pitchFamily="49" charset="-122"/>
+              <a:ea typeface="楷体" panose="02010609060101010101" pitchFamily="49" charset="-122"/>
+            </a:endParaRPr>
+          </a:p>
+          <a:p>
+            <a:r>
+              <a:rPr lang="en-US" altLang="zh-CN" sz="2000" dirty="0">
+                <a:latin typeface="楷体" panose="02010609060101010101" pitchFamily="49" charset="-122"/>
+                <a:ea typeface="楷体" panose="02010609060101010101" pitchFamily="49" charset="-122"/>
+              </a:rPr>
+              <a:t>Pdf</a:t>
+            </a:r>
+          </a:p>
+          <a:p>
+            <a:r>
+              <a:rPr lang="en-US" altLang="zh-SG" sz="2000" dirty="0">
+                <a:latin typeface="楷体" panose="02010609060101010101" pitchFamily="49" charset="-122"/>
+                <a:ea typeface="楷体" panose="02010609060101010101" pitchFamily="49" charset="-122"/>
+              </a:rPr>
+              <a:t>…</a:t>
+            </a:r>
+            <a:endParaRPr lang="zh-SG" altLang="en-US" sz="2000" dirty="0"/>
+          </a:p>
+        </p:txBody>
+      </p:sp>
+      <p:sp>
+        <p:nvSpPr>
+          <p:cNvPr id="10" name="文本框 9">
+            <a:extLst>
+              <a:ext uri="{FF2B5EF4-FFF2-40B4-BE49-F238E27FC236}">
+                <a16:creationId xmlns:a16="http://schemas.microsoft.com/office/drawing/2014/main" id="{A414424E-DBF0-A3EB-43FE-148EF49A6F99}"/>
+              </a:ext>
+            </a:extLst>
+          </p:cNvPr>
+          <p:cNvSpPr txBox="1"/>
+          <p:nvPr/>
+        </p:nvSpPr>
+        <p:spPr>
+          <a:xfrm>
+            <a:off x="3710082" y="2276099"/>
+            <a:ext cx="8196168" cy="2246769"/>
+          </a:xfrm>
+          <a:prstGeom prst="rect">
+            <a:avLst/>
+          </a:prstGeom>
+          <a:noFill/>
+        </p:spPr>
+        <p:txBody>
+          <a:bodyPr wrap="square">
+            <a:spAutoFit/>
+          </a:bodyPr>
+          <a:lstStyle/>
+          <a:p>
+            <a:pPr marL="514350" indent="-514350">
+              <a:buAutoNum type="arabicPeriod"/>
+            </a:pPr>
+            <a:r>
+              <a:rPr lang="zh-CN" altLang="en-US" sz="2800" b="1" dirty="0">
+                <a:solidFill>
+                  <a:srgbClr val="FF0000"/>
+                </a:solidFill>
+                <a:latin typeface="楷体" panose="02010609060101010101" pitchFamily="49" charset="-122"/>
+                <a:ea typeface="楷体" panose="02010609060101010101" pitchFamily="49" charset="-122"/>
+              </a:rPr>
+              <a:t>建立文本文件（</a:t>
+            </a:r>
+            <a:r>
+              <a:rPr lang="en-US" altLang="zh-CN" sz="2800" b="1" dirty="0">
+                <a:solidFill>
+                  <a:srgbClr val="FF0000"/>
+                </a:solidFill>
+                <a:latin typeface="楷体" panose="02010609060101010101" pitchFamily="49" charset="-122"/>
+                <a:ea typeface="楷体" panose="02010609060101010101" pitchFamily="49" charset="-122"/>
+              </a:rPr>
+              <a:t>.txt</a:t>
+            </a:r>
+            <a:r>
+              <a:rPr lang="zh-CN" altLang="en-US" sz="2800" b="1" dirty="0">
+                <a:solidFill>
+                  <a:srgbClr val="FF0000"/>
+                </a:solidFill>
+                <a:latin typeface="楷体" panose="02010609060101010101" pitchFamily="49" charset="-122"/>
+                <a:ea typeface="楷体" panose="02010609060101010101" pitchFamily="49" charset="-122"/>
+              </a:rPr>
+              <a:t>）</a:t>
+            </a:r>
+            <a:endParaRPr lang="en-US" altLang="zh-CN" sz="2800" b="1" dirty="0">
+              <a:solidFill>
+                <a:srgbClr val="FF0000"/>
+              </a:solidFill>
+              <a:latin typeface="楷体" panose="02010609060101010101" pitchFamily="49" charset="-122"/>
+              <a:ea typeface="楷体" panose="02010609060101010101" pitchFamily="49" charset="-122"/>
+            </a:endParaRPr>
+          </a:p>
+          <a:p>
+            <a:pPr marL="514350" indent="-514350">
+              <a:buAutoNum type="arabicPeriod"/>
+            </a:pPr>
+            <a:r>
+              <a:rPr lang="zh-CN" altLang="en-US" sz="2800" b="1" dirty="0">
+                <a:solidFill>
+                  <a:srgbClr val="FF0000"/>
+                </a:solidFill>
+                <a:latin typeface="楷体" panose="02010609060101010101" pitchFamily="49" charset="-122"/>
+                <a:ea typeface="楷体" panose="02010609060101010101" pitchFamily="49" charset="-122"/>
+              </a:rPr>
+              <a:t>输入网站代码（交给</a:t>
+            </a:r>
+            <a:r>
+              <a:rPr lang="en-US" altLang="zh-CN" sz="2800" b="1" dirty="0">
+                <a:solidFill>
+                  <a:srgbClr val="FF0000"/>
+                </a:solidFill>
+                <a:latin typeface="楷体" panose="02010609060101010101" pitchFamily="49" charset="-122"/>
+                <a:ea typeface="楷体" panose="02010609060101010101" pitchFamily="49" charset="-122"/>
+              </a:rPr>
+              <a:t>GPT</a:t>
+            </a:r>
+            <a:r>
+              <a:rPr lang="zh-CN" altLang="en-US" sz="2800" b="1" dirty="0">
+                <a:solidFill>
+                  <a:srgbClr val="FF0000"/>
+                </a:solidFill>
+                <a:latin typeface="楷体" panose="02010609060101010101" pitchFamily="49" charset="-122"/>
+                <a:ea typeface="楷体" panose="02010609060101010101" pitchFamily="49" charset="-122"/>
+              </a:rPr>
+              <a:t>，在第</a:t>
+            </a:r>
+            <a:r>
+              <a:rPr lang="en-US" altLang="zh-CN" sz="2800" b="1" dirty="0">
+                <a:solidFill>
+                  <a:srgbClr val="FF0000"/>
+                </a:solidFill>
+                <a:latin typeface="楷体" panose="02010609060101010101" pitchFamily="49" charset="-122"/>
+                <a:ea typeface="楷体" panose="02010609060101010101" pitchFamily="49" charset="-122"/>
+              </a:rPr>
+              <a:t>8</a:t>
+            </a:r>
+            <a:r>
+              <a:rPr lang="zh-CN" altLang="en-US" sz="2800" b="1" dirty="0">
+                <a:solidFill>
+                  <a:srgbClr val="FF0000"/>
+                </a:solidFill>
+                <a:latin typeface="楷体" panose="02010609060101010101" pitchFamily="49" charset="-122"/>
+                <a:ea typeface="楷体" panose="02010609060101010101" pitchFamily="49" charset="-122"/>
+              </a:rPr>
+              <a:t>页</a:t>
+            </a:r>
+            <a:r>
+              <a:rPr lang="en-US" altLang="zh-CN" sz="2800" b="1" dirty="0">
+                <a:solidFill>
+                  <a:srgbClr val="FF0000"/>
+                </a:solidFill>
+                <a:latin typeface="楷体" panose="02010609060101010101" pitchFamily="49" charset="-122"/>
+                <a:ea typeface="楷体" panose="02010609060101010101" pitchFamily="49" charset="-122"/>
+              </a:rPr>
+              <a:t>ppt</a:t>
+            </a:r>
+            <a:r>
+              <a:rPr lang="zh-CN" altLang="en-US" sz="2800" b="1" dirty="0">
+                <a:solidFill>
+                  <a:srgbClr val="FF0000"/>
+                </a:solidFill>
+                <a:latin typeface="楷体" panose="02010609060101010101" pitchFamily="49" charset="-122"/>
+                <a:ea typeface="楷体" panose="02010609060101010101" pitchFamily="49" charset="-122"/>
+              </a:rPr>
+              <a:t>详细说明）</a:t>
+            </a:r>
+            <a:endParaRPr lang="en-US" altLang="zh-CN" sz="2800" b="1" dirty="0">
+              <a:solidFill>
+                <a:srgbClr val="FF0000"/>
+              </a:solidFill>
+              <a:latin typeface="楷体" panose="02010609060101010101" pitchFamily="49" charset="-122"/>
+              <a:ea typeface="楷体" panose="02010609060101010101" pitchFamily="49" charset="-122"/>
+            </a:endParaRPr>
+          </a:p>
+          <a:p>
+            <a:pPr marL="514350" indent="-514350">
+              <a:buAutoNum type="arabicPeriod"/>
+            </a:pPr>
+            <a:r>
+              <a:rPr lang="zh-CN" altLang="en-US" sz="2800" b="1" dirty="0">
+                <a:solidFill>
+                  <a:srgbClr val="FF0000"/>
+                </a:solidFill>
+                <a:latin typeface="楷体" panose="02010609060101010101" pitchFamily="49" charset="-122"/>
+                <a:ea typeface="楷体" panose="02010609060101010101" pitchFamily="49" charset="-122"/>
+              </a:rPr>
+              <a:t>把文件重命名为</a:t>
+            </a:r>
+            <a:r>
+              <a:rPr lang="en-US" altLang="zh-CN" sz="2800" b="1" dirty="0">
+                <a:solidFill>
+                  <a:srgbClr val="FF0000"/>
+                </a:solidFill>
+                <a:latin typeface="楷体" panose="02010609060101010101" pitchFamily="49" charset="-122"/>
+                <a:ea typeface="楷体" panose="02010609060101010101" pitchFamily="49" charset="-122"/>
+              </a:rPr>
+              <a:t>.html</a:t>
+            </a:r>
+          </a:p>
+          <a:p>
+            <a:pPr marL="514350" indent="-514350">
+              <a:buAutoNum type="arabicPeriod"/>
+            </a:pPr>
+            <a:r>
+              <a:rPr lang="zh-CN" altLang="en-US" sz="2800" b="1" dirty="0">
+                <a:solidFill>
+                  <a:srgbClr val="FF0000"/>
+                </a:solidFill>
+                <a:latin typeface="楷体" panose="02010609060101010101" pitchFamily="49" charset="-122"/>
+                <a:ea typeface="楷体" panose="02010609060101010101" pitchFamily="49" charset="-122"/>
+              </a:rPr>
+              <a:t>在</a:t>
+            </a:r>
+            <a:r>
+              <a:rPr lang="en-US" altLang="zh-CN" sz="2800" b="1" dirty="0">
+                <a:solidFill>
+                  <a:srgbClr val="FF0000"/>
+                </a:solidFill>
+                <a:latin typeface="楷体" panose="02010609060101010101" pitchFamily="49" charset="-122"/>
+                <a:ea typeface="楷体" panose="02010609060101010101" pitchFamily="49" charset="-122"/>
+              </a:rPr>
+              <a:t>GitHub Desktop </a:t>
+            </a:r>
+            <a:r>
+              <a:rPr lang="zh-CN" altLang="en-US" sz="2800" b="1" dirty="0">
+                <a:solidFill>
+                  <a:srgbClr val="FF0000"/>
+                </a:solidFill>
+                <a:latin typeface="楷体" panose="02010609060101010101" pitchFamily="49" charset="-122"/>
+                <a:ea typeface="楷体" panose="02010609060101010101" pitchFamily="49" charset="-122"/>
+              </a:rPr>
+              <a:t>更新，刷新网站，完成！（在下一页</a:t>
+            </a:r>
+            <a:r>
+              <a:rPr lang="en-US" altLang="zh-CN" sz="2800" b="1" dirty="0">
+                <a:solidFill>
+                  <a:srgbClr val="FF0000"/>
+                </a:solidFill>
+                <a:latin typeface="楷体" panose="02010609060101010101" pitchFamily="49" charset="-122"/>
+                <a:ea typeface="楷体" panose="02010609060101010101" pitchFamily="49" charset="-122"/>
+              </a:rPr>
+              <a:t>ppt</a:t>
+            </a:r>
+            <a:r>
+              <a:rPr lang="zh-CN" altLang="en-US" sz="2800" b="1" dirty="0">
+                <a:solidFill>
+                  <a:srgbClr val="FF0000"/>
+                </a:solidFill>
+                <a:latin typeface="楷体" panose="02010609060101010101" pitchFamily="49" charset="-122"/>
+                <a:ea typeface="楷体" panose="02010609060101010101" pitchFamily="49" charset="-122"/>
+              </a:rPr>
+              <a:t>详细说明）</a:t>
+            </a:r>
+            <a:endParaRPr lang="zh-SG" altLang="en-US" sz="2000" dirty="0"/>
+          </a:p>
+        </p:txBody>
+      </p:sp>
+    </p:spTree>
+    <p:extLst>
+      <p:ext uri="{BB962C8B-B14F-4D97-AF65-F5344CB8AC3E}">
+        <p14:creationId xmlns:p14="http://schemas.microsoft.com/office/powerpoint/2010/main" val="621556615"/>
+      </p:ext>
+    </p:extLst>
+  </p:cSld>
+  <p:clrMapOvr>
+    <a:masterClrMapping/>
+  </p:clrMapOvr>
+  <p:timing>
+    <p:tnLst>
+      <p:par>
+        <p:cTn id="1" dur="indefinite" restart="never" nodeType="tmRoot">
+          <p:childTnLst>
+            <p:seq concurrent="1" nextAc="seek">
+              <p:cTn id="2" dur="indefinite" nodeType="mainSeq">
+                <p:childTnLst>
+                  <p:par>
+                    <p:cTn id="3" fill="hold">
+                      <p:stCondLst>
+                        <p:cond delay="indefinite"/>
+                      </p:stCondLst>
+                      <p:childTnLst>
+                        <p:par>
+                          <p:cTn id="4" fill="hold">
+                            <p:stCondLst>
+                              <p:cond delay="0"/>
+                            </p:stCondLst>
+                            <p:childTnLst>
+                              <p:par>
+                                <p:cTn id="5" presetID="1" presetClass="entr" presetSubtype="0" fill="hold" grpId="0" nodeType="clickEffect">
+                                  <p:stCondLst>
+                                    <p:cond delay="0"/>
+                                  </p:stCondLst>
+                                  <p:childTnLst>
+                                    <p:set>
+                                      <p:cBhvr>
+                                        <p:cTn id="6" dur="1" fill="hold">
+                                          <p:stCondLst>
+                                            <p:cond delay="0"/>
+                                          </p:stCondLst>
+                                        </p:cTn>
+                                        <p:tgtEl>
+                                          <p:spTgt spid="10"/>
+                                        </p:tgtEl>
+                                        <p:attrNameLst>
+                                          <p:attrName>style.visibility</p:attrName>
+                                        </p:attrNameLst>
+                                      </p:cBhvr>
+                                      <p:to>
+                                        <p:strVal val="visible"/>
+                                      </p:to>
+                                    </p:set>
+                                  </p:childTnLst>
+                                </p:cTn>
+                              </p:par>
+                            </p:childTnLst>
+                          </p:cTn>
+                        </p:par>
+                      </p:childTnLst>
+                    </p:cTn>
+                  </p:par>
+                </p:childTnLst>
+              </p:cTn>
+              <p:prevCondLst>
+                <p:cond evt="onPrev" delay="0">
+                  <p:tgtEl>
+                    <p:sldTgt/>
+                  </p:tgtEl>
+                </p:cond>
+              </p:prevCondLst>
+              <p:nextCondLst>
+                <p:cond evt="onNext" delay="0">
+                  <p:tgtEl>
+                    <p:sldTgt/>
+                  </p:tgtEl>
+                </p:cond>
+              </p:nextCondLst>
+            </p:seq>
+          </p:childTnLst>
+        </p:cTn>
+      </p:par>
+    </p:tnLst>
+    <p:bldLst>
+      <p:bldP spid="10" grpId="0"/>
+    </p:bldLst>
+  </p:timing>
+</p:sld>
+</file>
+
+<file path=ppt/slides/slide7.xml><?xml version="1.0" encoding="utf-8"?>
+<p:sld xmlns:a="http://schemas.openxmlformats.org/drawingml/2006/main" xmlns:r="http://schemas.openxmlformats.org/officeDocument/2006/relationships" xmlns:p="http://schemas.openxmlformats.org/presentationml/2006/main">
+  <p:cSld>
+    <p:spTree>
+      <p:nvGrpSpPr>
+        <p:cNvPr id="1" name=""/>
+        <p:cNvGrpSpPr/>
+        <p:nvPr/>
+      </p:nvGrpSpPr>
+      <p:grpSpPr>
+        <a:xfrm>
+          <a:off x="0" y="0"/>
+          <a:ext cx="0" cy="0"/>
+          <a:chOff x="0" y="0"/>
+          <a:chExt cx="0" cy="0"/>
+        </a:xfrm>
+      </p:grpSpPr>
+      <p:sp>
+        <p:nvSpPr>
+          <p:cNvPr id="2" name="文本框 1">
+            <a:extLst>
+              <a:ext uri="{FF2B5EF4-FFF2-40B4-BE49-F238E27FC236}">
+                <a16:creationId xmlns:a16="http://schemas.microsoft.com/office/drawing/2014/main" id="{9F079C83-5C7A-7FEB-95AB-5BB43CB90696}"/>
+              </a:ext>
+            </a:extLst>
+          </p:cNvPr>
+          <p:cNvSpPr txBox="1"/>
+          <p:nvPr/>
+        </p:nvSpPr>
+        <p:spPr>
+          <a:xfrm>
+            <a:off x="925284" y="413656"/>
+            <a:ext cx="2334986" cy="584775"/>
+          </a:xfrm>
+          <a:prstGeom prst="rect">
+            <a:avLst/>
+          </a:prstGeom>
+          <a:noFill/>
+        </p:spPr>
+        <p:txBody>
+          <a:bodyPr wrap="square" rtlCol="0">
+            <a:spAutoFit/>
+          </a:bodyPr>
+          <a:lstStyle/>
+          <a:p>
+            <a:r>
+              <a:rPr lang="zh-CN" altLang="en-US" sz="3200" dirty="0">
+                <a:latin typeface="华文中宋" panose="02010600040101010101" pitchFamily="2" charset="-122"/>
+                <a:ea typeface="华文中宋" panose="02010600040101010101" pitchFamily="2" charset="-122"/>
+              </a:rPr>
+              <a:t>怎么做</a:t>
+            </a:r>
+            <a:endParaRPr lang="zh-SG" altLang="en-US" sz="3200" dirty="0">
+              <a:latin typeface="华文中宋" panose="02010600040101010101" pitchFamily="2" charset="-122"/>
+              <a:ea typeface="华文中宋" panose="02010600040101010101" pitchFamily="2" charset="-122"/>
+            </a:endParaRPr>
+          </a:p>
+        </p:txBody>
+      </p:sp>
+      <p:sp>
+        <p:nvSpPr>
+          <p:cNvPr id="3" name="Rectangle 1">
+            <a:extLst>
+              <a:ext uri="{FF2B5EF4-FFF2-40B4-BE49-F238E27FC236}">
+                <a16:creationId xmlns:a16="http://schemas.microsoft.com/office/drawing/2014/main" id="{D0A8541B-0BEF-E1A0-2B08-ED915BC5126C}"/>
+              </a:ext>
+            </a:extLst>
+          </p:cNvPr>
+          <p:cNvSpPr>
+            <a:spLocks noChangeArrowheads="1"/>
+          </p:cNvSpPr>
+          <p:nvPr/>
+        </p:nvSpPr>
+        <p:spPr bwMode="auto">
+          <a:xfrm>
+            <a:off x="871888" y="1539929"/>
+            <a:ext cx="11388436" cy="492443"/>
+          </a:xfrm>
+          <a:prstGeom prst="rect">
+            <a:avLst/>
+          </a:prstGeom>
+          <a:noFill/>
+          <a:ln>
+            <a:noFill/>
+          </a:ln>
+          <a:effectLst/>
+          <a:extLst>
+            <a:ext uri="{909E8E84-426E-40DD-AFC4-6F175D3DCCD1}">
+              <a14:hiddenFill xmlns:a14="http://schemas.microsoft.com/office/drawing/2010/main">
+                <a:solidFill>
+                  <a:schemeClr val="accent1"/>
+                </a:solidFill>
+              </a14:hiddenFill>
+            </a:ext>
+            <a:ext uri="{91240B29-F687-4F45-9708-019B960494DF}">
+              <a14:hiddenLine xmlns:a14="http://schemas.microsoft.com/office/drawing/2010/main" w="9525">
+                <a:solidFill>
+                  <a:schemeClr val="tx1"/>
+                </a:solidFill>
+                <a:miter lim="800000"/>
+                <a:headEnd/>
+                <a:tailEnd/>
+              </a14:hiddenLine>
+            </a:ext>
+            <a:ext uri="{AF507438-7753-43E0-B8FC-AC1667EBCBE1}">
+              <a14:hiddenEffects xmlns:a14="http://schemas.microsoft.com/office/drawing/2010/main">
+                <a:effectLst>
+                  <a:outerShdw dist="35921" dir="2700000" algn="ctr" rotWithShape="0">
+                    <a:schemeClr val="bg2"/>
+                  </a:outerShdw>
+                </a:effectLst>
+              </a14:hiddenEffects>
+            </a:ext>
+          </a:extLst>
+        </p:spPr>
+        <p:txBody>
+          <a:bodyPr vert="horz" wrap="square" lIns="91440" tIns="45720" rIns="91440" bIns="45720" numCol="1" anchor="ctr" anchorCtr="0" compatLnSpc="1">
+            <a:prstTxWarp prst="textNoShape">
+              <a:avLst/>
+            </a:prstTxWarp>
+            <a:spAutoFit/>
+          </a:bodyPr>
+          <a:lstStyle/>
+          <a:p>
+            <a:pPr marL="0" marR="0" lvl="0" indent="0" algn="l" defTabSz="914400" rtl="0" eaLnBrk="0" fontAlgn="base" latinLnBrk="0" hangingPunct="0">
+              <a:lnSpc>
+                <a:spcPct val="100000"/>
+              </a:lnSpc>
+              <a:spcBef>
+                <a:spcPct val="0"/>
+              </a:spcBef>
+              <a:spcAft>
+                <a:spcPct val="0"/>
+              </a:spcAft>
+              <a:buClrTx/>
+              <a:buSzTx/>
+              <a:tabLst/>
+            </a:pPr>
+            <a:r>
+              <a:rPr kumimoji="0" lang="en-US" altLang="zh-SG" sz="2600" b="1" i="0" u="none" strike="noStrike" cap="none" normalizeH="0" baseline="0" dirty="0">
+                <a:ln>
+                  <a:noFill/>
+                </a:ln>
+                <a:solidFill>
+                  <a:schemeClr val="tx1"/>
+                </a:solidFill>
+                <a:effectLst/>
+                <a:latin typeface="楷体" panose="02010609060101010101" pitchFamily="49" charset="-122"/>
+                <a:ea typeface="楷体" panose="02010609060101010101" pitchFamily="49" charset="-122"/>
+              </a:rPr>
+              <a:t>5. </a:t>
+            </a:r>
+            <a:r>
+              <a:rPr kumimoji="0" lang="zh-SG" altLang="zh-SG" sz="2600" b="1" i="0" u="none" strike="noStrike" cap="none" normalizeH="0" baseline="0" dirty="0">
+                <a:ln>
+                  <a:noFill/>
+                </a:ln>
+                <a:solidFill>
+                  <a:schemeClr val="tx1"/>
+                </a:solidFill>
+                <a:effectLst/>
+                <a:latin typeface="楷体" panose="02010609060101010101" pitchFamily="49" charset="-122"/>
+                <a:ea typeface="楷体" panose="02010609060101010101" pitchFamily="49" charset="-122"/>
+              </a:rPr>
+              <a:t>上传网站文件</a:t>
+            </a:r>
+            <a:r>
+              <a:rPr kumimoji="0" lang="zh-CN" altLang="en-US" sz="2600" b="1" i="0" u="none" strike="noStrike" cap="none" normalizeH="0" baseline="0" dirty="0">
+                <a:ln>
+                  <a:noFill/>
+                </a:ln>
+                <a:solidFill>
+                  <a:schemeClr val="tx1"/>
+                </a:solidFill>
+                <a:effectLst/>
+                <a:latin typeface="楷体" panose="02010609060101010101" pitchFamily="49" charset="-122"/>
+                <a:ea typeface="楷体" panose="02010609060101010101" pitchFamily="49" charset="-122"/>
+              </a:rPr>
               <a:t>：复制粘贴！</a:t>
+            </a:r>
+            <a:r>
+              <a:rPr kumimoji="0" lang="en-US" altLang="zh-CN" sz="2600" b="1" i="0" u="none" strike="noStrike" cap="none" normalizeH="0" baseline="0" dirty="0">
+                <a:ln>
+                  <a:noFill/>
+                </a:ln>
+                <a:solidFill>
+                  <a:schemeClr val="tx1"/>
+                </a:solidFill>
+                <a:effectLst/>
+                <a:latin typeface="楷体" panose="02010609060101010101" pitchFamily="49" charset="-122"/>
+                <a:ea typeface="楷体" panose="02010609060101010101" pitchFamily="49" charset="-122"/>
+              </a:rPr>
+              <a:t>+</a:t>
+            </a:r>
+            <a:r>
+              <a:rPr kumimoji="0" lang="zh-CN" altLang="en-US" sz="2600" b="1" i="0" u="none" strike="noStrike" cap="none" normalizeH="0" baseline="0" dirty="0">
+                <a:ln>
+                  <a:noFill/>
+                </a:ln>
+                <a:solidFill>
+                  <a:schemeClr val="tx1"/>
+                </a:solidFill>
+                <a:effectLst/>
+                <a:latin typeface="楷体" panose="02010609060101010101" pitchFamily="49" charset="-122"/>
+                <a:ea typeface="楷体" panose="02010609060101010101" pitchFamily="49" charset="-122"/>
+              </a:rPr>
+              <a:t>更新</a:t>
             </a:r>
             <a:endParaRPr lang="en-US" altLang="zh-SG" sz="2600" dirty="0">
               <a:latin typeface="楷体" panose="02010609060101010101" pitchFamily="49" charset="-122"/>
@@ -5902,6 +7142,639 @@
             <a:extLst>
               <a:ext uri="{FF2B5EF4-FFF2-40B4-BE49-F238E27FC236}">
                 <a16:creationId xmlns:a16="http://schemas.microsoft.com/office/drawing/2014/main" id="{4BD63F66-AF72-B3D6-F130-466FB3F0C646}"/>
+              </a:ext>
+            </a:extLst>
+          </p:cNvPr>
+          <p:cNvPicPr>
+            <a:picLocks noChangeAspect="1"/>
+          </p:cNvPicPr>
+          <p:nvPr/>
+        </p:nvPicPr>
+        <p:blipFill>
+          <a:blip r:embed="rId2"/>
+          <a:stretch>
+            <a:fillRect/>
+          </a:stretch>
+        </p:blipFill>
+        <p:spPr>
+          <a:xfrm>
+            <a:off x="1420883" y="2133038"/>
+            <a:ext cx="5262329" cy="4311306"/>
+          </a:xfrm>
+          <a:prstGeom prst="rect">
+            <a:avLst/>
+          </a:prstGeom>
+        </p:spPr>
+      </p:pic>
+      <p:sp>
+        <p:nvSpPr>
+          <p:cNvPr id="4" name="矩形 3">
+            <a:extLst>
+              <a:ext uri="{FF2B5EF4-FFF2-40B4-BE49-F238E27FC236}">
+                <a16:creationId xmlns:a16="http://schemas.microsoft.com/office/drawing/2014/main" id="{49DCF141-A4F3-A608-8CAF-F8D1E92FCABE}"/>
+              </a:ext>
+            </a:extLst>
+          </p:cNvPr>
+          <p:cNvSpPr/>
+          <p:nvPr/>
+        </p:nvSpPr>
+        <p:spPr>
+          <a:xfrm>
+            <a:off x="1252993" y="2733688"/>
+            <a:ext cx="1952849" cy="749741"/>
+          </a:xfrm>
+          <a:prstGeom prst="rect">
+            <a:avLst/>
+          </a:prstGeom>
+          <a:noFill/>
+          <a:ln w="57150">
+            <a:solidFill>
+              <a:schemeClr val="accent4">
+                <a:lumMod val="40000"/>
+                <a:lumOff val="60000"/>
+              </a:schemeClr>
+            </a:solidFill>
+          </a:ln>
+        </p:spPr>
+        <p:style>
+          <a:lnRef idx="2">
+            <a:schemeClr val="accent1">
+              <a:shade val="15000"/>
+            </a:schemeClr>
+          </a:lnRef>
+          <a:fillRef idx="1">
+            <a:schemeClr val="accent1"/>
+          </a:fillRef>
+          <a:effectRef idx="0">
+            <a:schemeClr val="accent1"/>
+          </a:effectRef>
+          <a:fontRef idx="minor">
+            <a:schemeClr val="lt1"/>
+          </a:fontRef>
+        </p:style>
+        <p:txBody>
+          <a:bodyPr rtlCol="0" anchor="ctr"/>
+          <a:lstStyle/>
+          <a:p>
+            <a:pPr algn="ctr"/>
+            <a:endParaRPr lang="zh-SG" altLang="en-US"/>
+          </a:p>
+        </p:txBody>
+      </p:sp>
+      <p:sp>
+        <p:nvSpPr>
+          <p:cNvPr id="6" name="文本框 5">
+            <a:extLst>
+              <a:ext uri="{FF2B5EF4-FFF2-40B4-BE49-F238E27FC236}">
+                <a16:creationId xmlns:a16="http://schemas.microsoft.com/office/drawing/2014/main" id="{CBA5BA06-3B9A-78AF-DA47-FE526880BD0F}"/>
+              </a:ext>
+            </a:extLst>
+          </p:cNvPr>
+          <p:cNvSpPr txBox="1"/>
+          <p:nvPr/>
+        </p:nvSpPr>
+        <p:spPr>
+          <a:xfrm>
+            <a:off x="6894645" y="2353401"/>
+            <a:ext cx="4001955" cy="646331"/>
+          </a:xfrm>
+          <a:prstGeom prst="rect">
+            <a:avLst/>
+          </a:prstGeom>
+          <a:noFill/>
+        </p:spPr>
+        <p:txBody>
+          <a:bodyPr wrap="square">
+            <a:spAutoFit/>
+          </a:bodyPr>
+          <a:lstStyle/>
+          <a:p>
+            <a:r>
+              <a:rPr kumimoji="0" lang="zh-CN" altLang="en-US" sz="1800" b="1" i="0" u="none" strike="noStrike" cap="none" normalizeH="0" baseline="0" dirty="0">
+                <a:ln>
+                  <a:noFill/>
+                </a:ln>
+                <a:solidFill>
+                  <a:schemeClr val="tx1"/>
+                </a:solidFill>
+                <a:effectLst/>
+                <a:latin typeface="楷体" panose="02010609060101010101" pitchFamily="49" charset="-122"/>
+                <a:ea typeface="楷体" panose="02010609060101010101" pitchFamily="49" charset="-122"/>
+              </a:rPr>
+              <a:t>如有更新（代码更新、新的文件等等任何变化）软件中自动出现更新内容</a:t>
+            </a:r>
+            <a:endParaRPr lang="zh-SG" altLang="en-US" dirty="0"/>
+          </a:p>
+        </p:txBody>
+      </p:sp>
+      <p:sp>
+        <p:nvSpPr>
+          <p:cNvPr id="8" name="矩形 7">
+            <a:extLst>
+              <a:ext uri="{FF2B5EF4-FFF2-40B4-BE49-F238E27FC236}">
+                <a16:creationId xmlns:a16="http://schemas.microsoft.com/office/drawing/2014/main" id="{0C641AAD-184F-51CC-F5D8-624442CB680B}"/>
+              </a:ext>
+            </a:extLst>
+          </p:cNvPr>
+          <p:cNvSpPr/>
+          <p:nvPr/>
+        </p:nvSpPr>
+        <p:spPr>
+          <a:xfrm>
+            <a:off x="1307421" y="4894502"/>
+            <a:ext cx="1952849" cy="749741"/>
+          </a:xfrm>
+          <a:prstGeom prst="rect">
+            <a:avLst/>
+          </a:prstGeom>
+          <a:noFill/>
+          <a:ln w="57150">
+            <a:solidFill>
+              <a:schemeClr val="accent4">
+                <a:lumMod val="40000"/>
+                <a:lumOff val="60000"/>
+              </a:schemeClr>
+            </a:solidFill>
+          </a:ln>
+        </p:spPr>
+        <p:style>
+          <a:lnRef idx="2">
+            <a:schemeClr val="accent1">
+              <a:shade val="15000"/>
+            </a:schemeClr>
+          </a:lnRef>
+          <a:fillRef idx="1">
+            <a:schemeClr val="accent1"/>
+          </a:fillRef>
+          <a:effectRef idx="0">
+            <a:schemeClr val="accent1"/>
+          </a:effectRef>
+          <a:fontRef idx="minor">
+            <a:schemeClr val="lt1"/>
+          </a:fontRef>
+        </p:style>
+        <p:txBody>
+          <a:bodyPr rtlCol="0" anchor="ctr"/>
+          <a:lstStyle/>
+          <a:p>
+            <a:pPr algn="ctr"/>
+            <a:endParaRPr lang="zh-SG" altLang="en-US"/>
+          </a:p>
+        </p:txBody>
+      </p:sp>
+      <p:sp>
+        <p:nvSpPr>
+          <p:cNvPr id="9" name="文本框 8">
+            <a:extLst>
+              <a:ext uri="{FF2B5EF4-FFF2-40B4-BE49-F238E27FC236}">
+                <a16:creationId xmlns:a16="http://schemas.microsoft.com/office/drawing/2014/main" id="{66B37BC8-8EB1-EDBD-5F63-8CADEABD4AED}"/>
+              </a:ext>
+            </a:extLst>
+          </p:cNvPr>
+          <p:cNvSpPr txBox="1"/>
+          <p:nvPr/>
+        </p:nvSpPr>
+        <p:spPr>
+          <a:xfrm>
+            <a:off x="6949073" y="4514215"/>
+            <a:ext cx="4001955" cy="646331"/>
+          </a:xfrm>
+          <a:prstGeom prst="rect">
+            <a:avLst/>
+          </a:prstGeom>
+          <a:noFill/>
+        </p:spPr>
+        <p:txBody>
+          <a:bodyPr wrap="square">
+            <a:spAutoFit/>
+          </a:bodyPr>
+          <a:lstStyle/>
+          <a:p>
+            <a:r>
+              <a:rPr kumimoji="0" lang="zh-CN" altLang="en-US" sz="1800" b="1" i="0" u="none" strike="noStrike" cap="none" normalizeH="0" baseline="0" dirty="0">
+                <a:ln>
+                  <a:noFill/>
+                </a:ln>
+                <a:solidFill>
+                  <a:schemeClr val="tx1"/>
+                </a:solidFill>
+                <a:effectLst/>
+                <a:latin typeface="楷体" panose="02010609060101010101" pitchFamily="49" charset="-122"/>
+                <a:ea typeface="楷体" panose="02010609060101010101" pitchFamily="49" charset="-122"/>
+              </a:rPr>
+              <a:t>更新内容说明，不重要，随便写，比如：</a:t>
+            </a:r>
+            <a:r>
+              <a:rPr lang="en-US" altLang="zh-CN" b="1" dirty="0">
+                <a:latin typeface="楷体" panose="02010609060101010101" pitchFamily="49" charset="-122"/>
+                <a:ea typeface="楷体" panose="02010609060101010101" pitchFamily="49" charset="-122"/>
+              </a:rPr>
+              <a:t>111</a:t>
+            </a:r>
+            <a:endParaRPr lang="zh-SG" altLang="en-US" dirty="0"/>
+          </a:p>
+        </p:txBody>
+      </p:sp>
+      <p:sp>
+        <p:nvSpPr>
+          <p:cNvPr id="12" name="矩形 11">
+            <a:extLst>
+              <a:ext uri="{FF2B5EF4-FFF2-40B4-BE49-F238E27FC236}">
+                <a16:creationId xmlns:a16="http://schemas.microsoft.com/office/drawing/2014/main" id="{8AAFDFB6-AE17-713C-1B57-EFACE577B9FB}"/>
+              </a:ext>
+            </a:extLst>
+          </p:cNvPr>
+          <p:cNvSpPr/>
+          <p:nvPr/>
+        </p:nvSpPr>
+        <p:spPr>
+          <a:xfrm>
+            <a:off x="1307420" y="5916907"/>
+            <a:ext cx="1952849" cy="749741"/>
+          </a:xfrm>
+          <a:prstGeom prst="rect">
+            <a:avLst/>
+          </a:prstGeom>
+          <a:noFill/>
+          <a:ln w="57150">
+            <a:solidFill>
+              <a:schemeClr val="accent4">
+                <a:lumMod val="40000"/>
+                <a:lumOff val="60000"/>
+              </a:schemeClr>
+            </a:solidFill>
+          </a:ln>
+        </p:spPr>
+        <p:style>
+          <a:lnRef idx="2">
+            <a:schemeClr val="accent1">
+              <a:shade val="15000"/>
+            </a:schemeClr>
+          </a:lnRef>
+          <a:fillRef idx="1">
+            <a:schemeClr val="accent1"/>
+          </a:fillRef>
+          <a:effectRef idx="0">
+            <a:schemeClr val="accent1"/>
+          </a:effectRef>
+          <a:fontRef idx="minor">
+            <a:schemeClr val="lt1"/>
+          </a:fontRef>
+        </p:style>
+        <p:txBody>
+          <a:bodyPr rtlCol="0" anchor="ctr"/>
+          <a:lstStyle/>
+          <a:p>
+            <a:pPr algn="ctr"/>
+            <a:endParaRPr lang="zh-SG" altLang="en-US"/>
+          </a:p>
+        </p:txBody>
+      </p:sp>
+      <p:sp>
+        <p:nvSpPr>
+          <p:cNvPr id="14" name="矩形 13">
+            <a:extLst>
+              <a:ext uri="{FF2B5EF4-FFF2-40B4-BE49-F238E27FC236}">
+                <a16:creationId xmlns:a16="http://schemas.microsoft.com/office/drawing/2014/main" id="{49DCF141-A4F3-A608-8CAF-F8D1E92FCABE}"/>
+              </a:ext>
+            </a:extLst>
+          </p:cNvPr>
+          <p:cNvSpPr/>
+          <p:nvPr/>
+        </p:nvSpPr>
+        <p:spPr>
+          <a:xfrm>
+            <a:off x="4613257" y="1978530"/>
+            <a:ext cx="1952849" cy="749741"/>
+          </a:xfrm>
+          <a:prstGeom prst="rect">
+            <a:avLst/>
+          </a:prstGeom>
+          <a:noFill/>
+          <a:ln w="57150">
+            <a:solidFill>
+              <a:schemeClr val="accent4">
+                <a:lumMod val="40000"/>
+                <a:lumOff val="60000"/>
+              </a:schemeClr>
+            </a:solidFill>
+          </a:ln>
+        </p:spPr>
+        <p:style>
+          <a:lnRef idx="2">
+            <a:schemeClr val="accent1">
+              <a:shade val="15000"/>
+            </a:schemeClr>
+          </a:lnRef>
+          <a:fillRef idx="1">
+            <a:schemeClr val="accent1"/>
+          </a:fillRef>
+          <a:effectRef idx="0">
+            <a:schemeClr val="accent1"/>
+          </a:effectRef>
+          <a:fontRef idx="minor">
+            <a:schemeClr val="lt1"/>
+          </a:fontRef>
+        </p:style>
+        <p:txBody>
+          <a:bodyPr rtlCol="0" anchor="ctr"/>
+          <a:lstStyle>
+            <a:defPPr>
+              <a:defRPr lang="zh-CN"/>
+            </a:defPPr>
+            <a:lvl1pPr marL="0" algn="l" defTabSz="914400" rtl="0" eaLnBrk="1" latinLnBrk="0" hangingPunct="1">
+              <a:defRPr sz="1800" kern="1200">
+                <a:solidFill>
+                  <a:schemeClr val="lt1"/>
+                </a:solidFill>
+                <a:latin typeface="+mn-lt"/>
+                <a:ea typeface="+mn-ea"/>
+                <a:cs typeface="+mn-cs"/>
+              </a:defRPr>
+            </a:lvl1pPr>
+            <a:lvl2pPr marL="457200" algn="l" defTabSz="914400" rtl="0" eaLnBrk="1" latinLnBrk="0" hangingPunct="1">
+              <a:defRPr sz="1800" kern="1200">
+                <a:solidFill>
+                  <a:schemeClr val="lt1"/>
+                </a:solidFill>
+                <a:latin typeface="+mn-lt"/>
+                <a:ea typeface="+mn-ea"/>
+                <a:cs typeface="+mn-cs"/>
+              </a:defRPr>
+            </a:lvl2pPr>
+            <a:lvl3pPr marL="914400" algn="l" defTabSz="914400" rtl="0" eaLnBrk="1" latinLnBrk="0" hangingPunct="1">
+              <a:defRPr sz="1800" kern="1200">
+                <a:solidFill>
+                  <a:schemeClr val="lt1"/>
+                </a:solidFill>
+                <a:latin typeface="+mn-lt"/>
+                <a:ea typeface="+mn-ea"/>
+                <a:cs typeface="+mn-cs"/>
+              </a:defRPr>
+            </a:lvl3pPr>
+            <a:lvl4pPr marL="1371600" algn="l" defTabSz="914400" rtl="0" eaLnBrk="1" latinLnBrk="0" hangingPunct="1">
+              <a:defRPr sz="1800" kern="1200">
+                <a:solidFill>
+                  <a:schemeClr val="lt1"/>
+                </a:solidFill>
+                <a:latin typeface="+mn-lt"/>
+                <a:ea typeface="+mn-ea"/>
+                <a:cs typeface="+mn-cs"/>
+              </a:defRPr>
+            </a:lvl4pPr>
+            <a:lvl5pPr marL="1828800" algn="l" defTabSz="914400" rtl="0" eaLnBrk="1" latinLnBrk="0" hangingPunct="1">
+              <a:defRPr sz="1800" kern="1200">
+                <a:solidFill>
+                  <a:schemeClr val="lt1"/>
+                </a:solidFill>
+                <a:latin typeface="+mn-lt"/>
+                <a:ea typeface="+mn-ea"/>
+                <a:cs typeface="+mn-cs"/>
+              </a:defRPr>
+            </a:lvl5pPr>
+            <a:lvl6pPr marL="2286000" algn="l" defTabSz="914400" rtl="0" eaLnBrk="1" latinLnBrk="0" hangingPunct="1">
+              <a:defRPr sz="1800" kern="1200">
+                <a:solidFill>
+                  <a:schemeClr val="lt1"/>
+                </a:solidFill>
+                <a:latin typeface="+mn-lt"/>
+                <a:ea typeface="+mn-ea"/>
+                <a:cs typeface="+mn-cs"/>
+              </a:defRPr>
+            </a:lvl6pPr>
+            <a:lvl7pPr marL="2743200" algn="l" defTabSz="914400" rtl="0" eaLnBrk="1" latinLnBrk="0" hangingPunct="1">
+              <a:defRPr sz="1800" kern="1200">
+                <a:solidFill>
+                  <a:schemeClr val="lt1"/>
+                </a:solidFill>
+                <a:latin typeface="+mn-lt"/>
+                <a:ea typeface="+mn-ea"/>
+                <a:cs typeface="+mn-cs"/>
+              </a:defRPr>
+            </a:lvl7pPr>
+            <a:lvl8pPr marL="3200400" algn="l" defTabSz="914400" rtl="0" eaLnBrk="1" latinLnBrk="0" hangingPunct="1">
+              <a:defRPr sz="1800" kern="1200">
+                <a:solidFill>
+                  <a:schemeClr val="lt1"/>
+                </a:solidFill>
+                <a:latin typeface="+mn-lt"/>
+                <a:ea typeface="+mn-ea"/>
+                <a:cs typeface="+mn-cs"/>
+              </a:defRPr>
+            </a:lvl8pPr>
+            <a:lvl9pPr marL="3657600" algn="l" defTabSz="914400" rtl="0" eaLnBrk="1" latinLnBrk="0" hangingPunct="1">
+              <a:defRPr sz="1800" kern="1200">
+                <a:solidFill>
+                  <a:schemeClr val="lt1"/>
+                </a:solidFill>
+                <a:latin typeface="+mn-lt"/>
+                <a:ea typeface="+mn-ea"/>
+                <a:cs typeface="+mn-cs"/>
+              </a:defRPr>
+            </a:lvl9pPr>
+          </a:lstStyle>
+          <a:p>
+            <a:pPr algn="ctr"/>
+            <a:endParaRPr lang="zh-SG" altLang="en-US"/>
+          </a:p>
+        </p:txBody>
+      </p:sp>
+      <p:cxnSp>
+        <p:nvCxnSpPr>
+          <p:cNvPr id="15" name="直接箭头连接符 14">
+            <a:extLst>
+              <a:ext uri="{FF2B5EF4-FFF2-40B4-BE49-F238E27FC236}">
+                <a16:creationId xmlns:a16="http://schemas.microsoft.com/office/drawing/2014/main" id="{6C4C8080-CF02-739C-FC2F-FB9ED57C2AD4}"/>
+              </a:ext>
+            </a:extLst>
+          </p:cNvPr>
+          <p:cNvCxnSpPr>
+            <a:cxnSpLocks/>
+            <a:stCxn id="4" idx="2"/>
+            <a:endCxn id="8" idx="0"/>
+          </p:cNvCxnSpPr>
+          <p:nvPr/>
+        </p:nvCxnSpPr>
+        <p:spPr>
+          <a:xfrm>
+            <a:off x="2229418" y="3483429"/>
+            <a:ext cx="54428" cy="1411073"/>
+          </a:xfrm>
+          <a:prstGeom prst="straightConnector1">
+            <a:avLst/>
+          </a:prstGeom>
+          <a:ln w="38100">
+            <a:solidFill>
+              <a:schemeClr val="accent4">
+                <a:lumMod val="60000"/>
+                <a:lumOff val="40000"/>
+              </a:schemeClr>
+            </a:solidFill>
+            <a:tailEnd type="triangle"/>
+          </a:ln>
+        </p:spPr>
+        <p:style>
+          <a:lnRef idx="1">
+            <a:schemeClr val="accent1"/>
+          </a:lnRef>
+          <a:fillRef idx="0">
+            <a:schemeClr val="accent1"/>
+          </a:fillRef>
+          <a:effectRef idx="0">
+            <a:schemeClr val="accent1"/>
+          </a:effectRef>
+          <a:fontRef idx="minor">
+            <a:schemeClr val="tx1"/>
+          </a:fontRef>
+        </p:style>
+      </p:cxnSp>
+      <p:cxnSp>
+        <p:nvCxnSpPr>
+          <p:cNvPr id="18" name="直接箭头连接符 17">
+            <a:extLst>
+              <a:ext uri="{FF2B5EF4-FFF2-40B4-BE49-F238E27FC236}">
+                <a16:creationId xmlns:a16="http://schemas.microsoft.com/office/drawing/2014/main" id="{EE7AD78B-9107-C713-EC33-A06B615F956E}"/>
+              </a:ext>
+            </a:extLst>
+          </p:cNvPr>
+          <p:cNvCxnSpPr>
+            <a:cxnSpLocks/>
+            <a:stCxn id="8" idx="2"/>
+          </p:cNvCxnSpPr>
+          <p:nvPr/>
+        </p:nvCxnSpPr>
+        <p:spPr>
+          <a:xfrm flipH="1">
+            <a:off x="2165350" y="5644243"/>
+            <a:ext cx="118496" cy="350157"/>
+          </a:xfrm>
+          <a:prstGeom prst="straightConnector1">
+            <a:avLst/>
+          </a:prstGeom>
+          <a:ln w="38100">
+            <a:solidFill>
+              <a:schemeClr val="accent4">
+                <a:lumMod val="60000"/>
+                <a:lumOff val="40000"/>
+              </a:schemeClr>
+            </a:solidFill>
+            <a:tailEnd type="triangle"/>
+          </a:ln>
+        </p:spPr>
+        <p:style>
+          <a:lnRef idx="1">
+            <a:schemeClr val="accent1"/>
+          </a:lnRef>
+          <a:fillRef idx="0">
+            <a:schemeClr val="accent1"/>
+          </a:fillRef>
+          <a:effectRef idx="0">
+            <a:schemeClr val="accent1"/>
+          </a:effectRef>
+          <a:fontRef idx="minor">
+            <a:schemeClr val="tx1"/>
+          </a:fontRef>
+        </p:style>
+      </p:cxnSp>
+      <p:cxnSp>
+        <p:nvCxnSpPr>
+          <p:cNvPr id="23" name="直接箭头连接符 22">
+            <a:extLst>
+              <a:ext uri="{FF2B5EF4-FFF2-40B4-BE49-F238E27FC236}">
+                <a16:creationId xmlns:a16="http://schemas.microsoft.com/office/drawing/2014/main" id="{EE7AD78B-9107-C713-EC33-A06B615F956E}"/>
+              </a:ext>
+            </a:extLst>
+          </p:cNvPr>
+          <p:cNvCxnSpPr>
+            <a:cxnSpLocks/>
+          </p:cNvCxnSpPr>
+          <p:nvPr/>
+        </p:nvCxnSpPr>
+        <p:spPr>
+          <a:xfrm flipH="1">
+            <a:off x="6564716" y="1670050"/>
+            <a:ext cx="210734" cy="409695"/>
+          </a:xfrm>
+          <a:prstGeom prst="straightConnector1">
+            <a:avLst/>
+          </a:prstGeom>
+          <a:ln w="38100">
+            <a:solidFill>
+              <a:schemeClr val="accent4">
+                <a:lumMod val="60000"/>
+                <a:lumOff val="40000"/>
+              </a:schemeClr>
+            </a:solidFill>
+            <a:tailEnd type="triangle"/>
+          </a:ln>
+        </p:spPr>
+        <p:style>
+          <a:lnRef idx="1">
+            <a:schemeClr val="accent1"/>
+          </a:lnRef>
+          <a:fillRef idx="0">
+            <a:schemeClr val="accent1"/>
+          </a:fillRef>
+          <a:effectRef idx="0">
+            <a:schemeClr val="accent1"/>
+          </a:effectRef>
+          <a:fontRef idx="minor">
+            <a:schemeClr val="tx1"/>
+          </a:fontRef>
+        </p:style>
+      </p:cxnSp>
+      <p:sp>
+        <p:nvSpPr>
+          <p:cNvPr id="25" name="文本框 24">
+            <a:extLst>
+              <a:ext uri="{FF2B5EF4-FFF2-40B4-BE49-F238E27FC236}">
+                <a16:creationId xmlns:a16="http://schemas.microsoft.com/office/drawing/2014/main" id="{A4565F84-92B9-3670-3729-F1D9BAB0D43F}"/>
+              </a:ext>
+            </a:extLst>
+          </p:cNvPr>
+          <p:cNvSpPr txBox="1"/>
+          <p:nvPr/>
+        </p:nvSpPr>
+        <p:spPr>
+          <a:xfrm>
+            <a:off x="6775450" y="1355263"/>
+            <a:ext cx="4787900" cy="369332"/>
+          </a:xfrm>
+          <a:prstGeom prst="rect">
+            <a:avLst/>
+          </a:prstGeom>
+          <a:noFill/>
+        </p:spPr>
+        <p:txBody>
+          <a:bodyPr wrap="square">
+            <a:spAutoFit/>
+          </a:bodyPr>
+          <a:lstStyle/>
+          <a:p>
+            <a:r>
+              <a:rPr kumimoji="0" lang="zh-CN" altLang="en-US" sz="1800" b="1" i="0" u="none" strike="noStrike" cap="none" normalizeH="0" baseline="0" dirty="0">
+                <a:ln>
+                  <a:noFill/>
+                </a:ln>
+                <a:solidFill>
+                  <a:schemeClr val="tx1"/>
+                </a:solidFill>
+                <a:effectLst/>
+                <a:latin typeface="楷体" panose="02010609060101010101" pitchFamily="49" charset="-122"/>
+                <a:ea typeface="楷体" panose="02010609060101010101" pitchFamily="49" charset="-122"/>
+              </a:rPr>
+              <a:t>最后一步。等待一分钟即可获得新的网站！</a:t>
+            </a:r>
+            <a:endParaRPr lang="zh-SG" altLang="en-US" dirty="0"/>
+          </a:p>
+        </p:txBody>
+      </p:sp>
+      <p:pic>
+        <p:nvPicPr>
+          <p:cNvPr id="26" name="图片 25">
+            <a:extLst>
+              <a:ext uri="{FF2B5EF4-FFF2-40B4-BE49-F238E27FC236}">
+                <a16:creationId xmlns:a16="http://schemas.microsoft.com/office/drawing/2014/main" id="{C1FB321A-3516-805B-1FB6-DE4D11D1479B}"/>
               </a:ext>
             </a:extLst>
           </p:cNvPr>
@@ -5918,8 +7791,8 @@
         </p:blipFill>
         <p:spPr>
           <a:xfrm>
-            <a:off x="1420883" y="2133038"/>
-            <a:ext cx="5262329" cy="4311306"/>
+            <a:off x="2424051" y="101453"/>
+            <a:ext cx="1114581" cy="1438476"/>
           </a:xfrm>
           <a:prstGeom prst="rect">
             <a:avLst/>
@@ -5929,7 +7802,7 @@
     </p:spTree>
     <p:extLst>
       <p:ext uri="{BB962C8B-B14F-4D97-AF65-F5344CB8AC3E}">
-        <p14:creationId xmlns:p14="http://schemas.microsoft.com/office/powerpoint/2010/main" val="1617452287"/>
+        <p14:creationId xmlns:p14="http://schemas.microsoft.com/office/powerpoint/2010/main" val="1121430500"/>
       </p:ext>
     </p:extLst>
   </p:cSld>
@@ -5989,6 +7862,348 @@
                       </p:childTnLst>
                     </p:cTn>
                   </p:par>
+                  <p:par>
+                    <p:cTn id="7" fill="hold">
+                      <p:stCondLst>
+                        <p:cond delay="indefinite"/>
+                      </p:stCondLst>
+                      <p:childTnLst>
+                        <p:par>
+                          <p:cTn id="8" fill="hold">
+                            <p:stCondLst>
+                              <p:cond delay="0"/>
+                            </p:stCondLst>
+                            <p:childTnLst>
+                              <p:par>
+                                <p:cTn id="9" presetID="1" presetClass="entr" presetSubtype="0" fill="hold" grpId="0" nodeType="clickEffect">
+                                  <p:stCondLst>
+                                    <p:cond delay="0"/>
+                                  </p:stCondLst>
+                                  <p:childTnLst>
+                                    <p:set>
+                                      <p:cBhvr>
+                                        <p:cTn id="10" dur="1" fill="hold">
+                                          <p:stCondLst>
+                                            <p:cond delay="0"/>
+                                          </p:stCondLst>
+                                        </p:cTn>
+                                        <p:tgtEl>
+                                          <p:spTgt spid="4"/>
+                                        </p:tgtEl>
+                                        <p:attrNameLst>
+                                          <p:attrName>style.visibility</p:attrName>
+                                        </p:attrNameLst>
+                                      </p:cBhvr>
+                                      <p:to>
+                                        <p:strVal val="visible"/>
+                                      </p:to>
+                                    </p:set>
+                                  </p:childTnLst>
+                                </p:cTn>
+                              </p:par>
+                              <p:par>
+                                <p:cTn id="11" presetID="1" presetClass="entr" presetSubtype="0" fill="hold" grpId="0" nodeType="withEffect">
+                                  <p:stCondLst>
+                                    <p:cond delay="0"/>
+                                  </p:stCondLst>
+                                  <p:childTnLst>
+                                    <p:set>
+                                      <p:cBhvr>
+                                        <p:cTn id="12" dur="1" fill="hold">
+                                          <p:stCondLst>
+                                            <p:cond delay="0"/>
+                                          </p:stCondLst>
+                                        </p:cTn>
+                                        <p:tgtEl>
+                                          <p:spTgt spid="6"/>
+                                        </p:tgtEl>
+                                        <p:attrNameLst>
+                                          <p:attrName>style.visibility</p:attrName>
+                                        </p:attrNameLst>
+                                      </p:cBhvr>
+                                      <p:to>
+                                        <p:strVal val="visible"/>
+                                      </p:to>
+                                    </p:set>
+                                  </p:childTnLst>
+                                </p:cTn>
+                              </p:par>
+                            </p:childTnLst>
+                          </p:cTn>
+                        </p:par>
+                      </p:childTnLst>
+                    </p:cTn>
+                  </p:par>
+                  <p:par>
+                    <p:cTn id="13" fill="hold">
+                      <p:stCondLst>
+                        <p:cond delay="indefinite"/>
+                      </p:stCondLst>
+                      <p:childTnLst>
+                        <p:par>
+                          <p:cTn id="14" fill="hold">
+                            <p:stCondLst>
+                              <p:cond delay="0"/>
+                            </p:stCondLst>
+                            <p:childTnLst>
+                              <p:par>
+                                <p:cTn id="15" presetID="1" presetClass="entr" presetSubtype="0" fill="hold" grpId="0" nodeType="clickEffect">
+                                  <p:stCondLst>
+                                    <p:cond delay="0"/>
+                                  </p:stCondLst>
+                                  <p:childTnLst>
+                                    <p:set>
+                                      <p:cBhvr>
+                                        <p:cTn id="16" dur="1" fill="hold">
+                                          <p:stCondLst>
+                                            <p:cond delay="0"/>
+                                          </p:stCondLst>
+                                        </p:cTn>
+                                        <p:tgtEl>
+                                          <p:spTgt spid="8"/>
+                                        </p:tgtEl>
+                                        <p:attrNameLst>
+                                          <p:attrName>style.visibility</p:attrName>
+                                        </p:attrNameLst>
+                                      </p:cBhvr>
+                                      <p:to>
+                                        <p:strVal val="visible"/>
+                                      </p:to>
+                                    </p:set>
+                                  </p:childTnLst>
+                                </p:cTn>
+                              </p:par>
+                              <p:par>
+                                <p:cTn id="17" presetID="1" presetClass="entr" presetSubtype="0" fill="hold" grpId="0" nodeType="withEffect">
+                                  <p:stCondLst>
+                                    <p:cond delay="0"/>
+                                  </p:stCondLst>
+                                  <p:childTnLst>
+                                    <p:set>
+                                      <p:cBhvr>
+                                        <p:cTn id="18" dur="1" fill="hold">
+                                          <p:stCondLst>
+                                            <p:cond delay="0"/>
+                                          </p:stCondLst>
+                                        </p:cTn>
+                                        <p:tgtEl>
+                                          <p:spTgt spid="9"/>
+                                        </p:tgtEl>
+                                        <p:attrNameLst>
+                                          <p:attrName>style.visibility</p:attrName>
+                                        </p:attrNameLst>
+                                      </p:cBhvr>
+                                      <p:to>
+                                        <p:strVal val="visible"/>
+                                      </p:to>
+                                    </p:set>
+                                  </p:childTnLst>
+                                </p:cTn>
+                              </p:par>
+                              <p:par>
+                                <p:cTn id="19" presetID="1" presetClass="entr" presetSubtype="0" fill="hold" nodeType="withEffect">
+                                  <p:stCondLst>
+                                    <p:cond delay="0"/>
+                                  </p:stCondLst>
+                                  <p:childTnLst>
+                                    <p:set>
+                                      <p:cBhvr>
+                                        <p:cTn id="20" dur="1" fill="hold">
+                                          <p:stCondLst>
+                                            <p:cond delay="0"/>
+                                          </p:stCondLst>
+                                        </p:cTn>
+                                        <p:tgtEl>
+                                          <p:spTgt spid="15"/>
+                                        </p:tgtEl>
+                                        <p:attrNameLst>
+                                          <p:attrName>style.visibility</p:attrName>
+                                        </p:attrNameLst>
+                                      </p:cBhvr>
+                                      <p:to>
+                                        <p:strVal val="visible"/>
+                                      </p:to>
+                                    </p:set>
+                                  </p:childTnLst>
+                                </p:cTn>
+                              </p:par>
+                            </p:childTnLst>
+                          </p:cTn>
+                        </p:par>
+                      </p:childTnLst>
+                    </p:cTn>
+                  </p:par>
+                  <p:par>
+                    <p:cTn id="21" fill="hold">
+                      <p:stCondLst>
+                        <p:cond delay="indefinite"/>
+                      </p:stCondLst>
+                      <p:childTnLst>
+                        <p:par>
+                          <p:cTn id="22" fill="hold">
+                            <p:stCondLst>
+                              <p:cond delay="0"/>
+                            </p:stCondLst>
+                            <p:childTnLst>
+                              <p:par>
+                                <p:cTn id="23" presetID="1" presetClass="entr" presetSubtype="0" fill="hold" grpId="0" nodeType="clickEffect">
+                                  <p:stCondLst>
+                                    <p:cond delay="0"/>
+                                  </p:stCondLst>
+                                  <p:childTnLst>
+                                    <p:set>
+                                      <p:cBhvr>
+                                        <p:cTn id="24" dur="1" fill="hold">
+                                          <p:stCondLst>
+                                            <p:cond delay="0"/>
+                                          </p:stCondLst>
+                                        </p:cTn>
+                                        <p:tgtEl>
+                                          <p:spTgt spid="12"/>
+                                        </p:tgtEl>
+                                        <p:attrNameLst>
+                                          <p:attrName>style.visibility</p:attrName>
+                                        </p:attrNameLst>
+                                      </p:cBhvr>
+                                      <p:to>
+                                        <p:strVal val="visible"/>
+                                      </p:to>
+                                    </p:set>
+                                  </p:childTnLst>
+                                </p:cTn>
+                              </p:par>
+                              <p:par>
+                                <p:cTn id="25" presetID="1" presetClass="entr" presetSubtype="0" fill="hold" nodeType="withEffect">
+                                  <p:stCondLst>
+                                    <p:cond delay="0"/>
+                                  </p:stCondLst>
+                                  <p:childTnLst>
+                                    <p:set>
+                                      <p:cBhvr>
+                                        <p:cTn id="26" dur="1" fill="hold">
+                                          <p:stCondLst>
+                                            <p:cond delay="0"/>
+                                          </p:stCondLst>
+                                        </p:cTn>
+                                        <p:tgtEl>
+                                          <p:spTgt spid="18"/>
+                                        </p:tgtEl>
+                                        <p:attrNameLst>
+                                          <p:attrName>style.visibility</p:attrName>
+                                        </p:attrNameLst>
+                                      </p:cBhvr>
+                                      <p:to>
+                                        <p:strVal val="visible"/>
+                                      </p:to>
+                                    </p:set>
+                                  </p:childTnLst>
+                                </p:cTn>
+                              </p:par>
+                            </p:childTnLst>
+                          </p:cTn>
+                        </p:par>
+                      </p:childTnLst>
+                    </p:cTn>
+                  </p:par>
+                  <p:par>
+                    <p:cTn id="27" fill="hold">
+                      <p:stCondLst>
+                        <p:cond delay="indefinite"/>
+                      </p:stCondLst>
+                      <p:childTnLst>
+                        <p:par>
+                          <p:cTn id="28" fill="hold">
+                            <p:stCondLst>
+                              <p:cond delay="0"/>
+                            </p:stCondLst>
+                            <p:childTnLst>
+                              <p:par>
+                                <p:cTn id="29" presetID="1" presetClass="entr" presetSubtype="0" fill="hold" grpId="0" nodeType="clickEffect">
+                                  <p:stCondLst>
+                                    <p:cond delay="0"/>
+                                  </p:stCondLst>
+                                  <p:childTnLst>
+                                    <p:set>
+                                      <p:cBhvr>
+                                        <p:cTn id="30" dur="1" fill="hold">
+                                          <p:stCondLst>
+                                            <p:cond delay="0"/>
+                                          </p:stCondLst>
+                                        </p:cTn>
+                                        <p:tgtEl>
+                                          <p:spTgt spid="14"/>
+                                        </p:tgtEl>
+                                        <p:attrNameLst>
+                                          <p:attrName>style.visibility</p:attrName>
+                                        </p:attrNameLst>
+                                      </p:cBhvr>
+                                      <p:to>
+                                        <p:strVal val="visible"/>
+                                      </p:to>
+                                    </p:set>
+                                  </p:childTnLst>
+                                </p:cTn>
+                              </p:par>
+                              <p:par>
+                                <p:cTn id="31" presetID="1" presetClass="entr" presetSubtype="0" fill="hold" grpId="0" nodeType="withEffect">
+                                  <p:stCondLst>
+                                    <p:cond delay="0"/>
+                                  </p:stCondLst>
+                                  <p:childTnLst>
+                                    <p:set>
+                                      <p:cBhvr>
+                                        <p:cTn id="32" dur="1" fill="hold">
+                                          <p:stCondLst>
+                                            <p:cond delay="0"/>
+                                          </p:stCondLst>
+                                        </p:cTn>
+                                        <p:tgtEl>
+                                          <p:spTgt spid="25"/>
+                                        </p:tgtEl>
+                                        <p:attrNameLst>
+                                          <p:attrName>style.visibility</p:attrName>
+                                        </p:attrNameLst>
+                                      </p:cBhvr>
+                                      <p:to>
+                                        <p:strVal val="visible"/>
+                                      </p:to>
+                                    </p:set>
+                                  </p:childTnLst>
+                                </p:cTn>
+                              </p:par>
+                              <p:par>
+                                <p:cTn id="33" presetID="1" presetClass="entr" presetSubtype="0" fill="hold" nodeType="withEffect">
+                                  <p:stCondLst>
+                                    <p:cond delay="0"/>
+                                  </p:stCondLst>
+                                  <p:childTnLst>
+                                    <p:set>
+                                      <p:cBhvr>
+                                        <p:cTn id="34" dur="1" fill="hold">
+                                          <p:stCondLst>
+                                            <p:cond delay="0"/>
+                                          </p:stCondLst>
+                                        </p:cTn>
+                                        <p:tgtEl>
+                                          <p:spTgt spid="23"/>
+                                        </p:tgtEl>
+                                        <p:attrNameLst>
+                                          <p:attrName>style.visibility</p:attrName>
+                                        </p:attrNameLst>
+                                      </p:cBhvr>
+                                      <p:to>
+                                        <p:strVal val="visible"/>
+                                      </p:to>
+                                    </p:set>
+                                  </p:childTnLst>
+                                </p:cTn>
+                              </p:par>
+                            </p:childTnLst>
+                          </p:cTn>
+                        </p:par>
+                      </p:childTnLst>
+                    </p:cTn>
+                  </p:par>
                 </p:childTnLst>
               </p:cTn>
               <p:prevCondLst>
@@ -6010,11 +8225,20 @@
         </p:cTn>
       </p:par>
     </p:tnLst>
+    <p:bldLst>
+      <p:bldP spid="4" grpId="0" animBg="1"/>
+      <p:bldP spid="6" grpId="0"/>
+      <p:bldP spid="8" grpId="0" animBg="1"/>
+      <p:bldP spid="9" grpId="0"/>
+      <p:bldP spid="12" grpId="0" animBg="1"/>
+      <p:bldP spid="14" grpId="0" animBg="1"/>
+      <p:bldP spid="25" grpId="0"/>
+    </p:bldLst>
   </p:timing>
 </p:sld>
 </file>
 
-<file path=ppt/slides/slide6.xml><?xml version="1.0" encoding="utf-8"?>
+<file path=ppt/slides/slide8.xml><?xml version="1.0" encoding="utf-8"?>
 <p:sld xmlns:a="http://schemas.openxmlformats.org/drawingml/2006/main" xmlns:r="http://schemas.openxmlformats.org/officeDocument/2006/relationships" xmlns:p="http://schemas.openxmlformats.org/presentationml/2006/main">
   <p:cSld>
     <p:spTree>
